--- a/docs/diagrams/LogicComponentCommandClassDiagram.pptx
+++ b/docs/diagrams/LogicComponentCommandClassDiagram.pptx
@@ -212,7 +212,7 @@
           <a:p>
             <a:fld id="{F5CC4B3F-88C1-4FFA-B1B6-F41C21DC6924}" type="datetimeFigureOut">
               <a:rPr lang="en-US" smtClean="0"/>
-              <a:t>7/21/17</a:t>
+              <a:t>10/18/2017</a:t>
             </a:fld>
             <a:endParaRPr lang="en-US"/>
           </a:p>
@@ -658,7 +658,7 @@
           <a:p>
             <a:fld id="{78C97017-6FC3-485B-9764-EAC9E56C1D49}" type="datetimeFigureOut">
               <a:rPr lang="en-US" smtClean="0"/>
-              <a:t>7/21/17</a:t>
+              <a:t>10/18/2017</a:t>
             </a:fld>
             <a:endParaRPr lang="en-US"/>
           </a:p>
@@ -826,7 +826,7 @@
           <a:p>
             <a:fld id="{78C97017-6FC3-485B-9764-EAC9E56C1D49}" type="datetimeFigureOut">
               <a:rPr lang="en-US" smtClean="0"/>
-              <a:t>7/21/17</a:t>
+              <a:t>10/18/2017</a:t>
             </a:fld>
             <a:endParaRPr lang="en-US"/>
           </a:p>
@@ -1004,7 +1004,7 @@
           <a:p>
             <a:fld id="{78C97017-6FC3-485B-9764-EAC9E56C1D49}" type="datetimeFigureOut">
               <a:rPr lang="en-US" smtClean="0"/>
-              <a:t>7/21/17</a:t>
+              <a:t>10/18/2017</a:t>
             </a:fld>
             <a:endParaRPr lang="en-US"/>
           </a:p>
@@ -1172,7 +1172,7 @@
           <a:p>
             <a:fld id="{78C97017-6FC3-485B-9764-EAC9E56C1D49}" type="datetimeFigureOut">
               <a:rPr lang="en-US" smtClean="0"/>
-              <a:t>7/21/17</a:t>
+              <a:t>10/18/2017</a:t>
             </a:fld>
             <a:endParaRPr lang="en-US"/>
           </a:p>
@@ -1417,7 +1417,7 @@
           <a:p>
             <a:fld id="{78C97017-6FC3-485B-9764-EAC9E56C1D49}" type="datetimeFigureOut">
               <a:rPr lang="en-US" smtClean="0"/>
-              <a:t>7/21/17</a:t>
+              <a:t>10/18/2017</a:t>
             </a:fld>
             <a:endParaRPr lang="en-US"/>
           </a:p>
@@ -1702,7 +1702,7 @@
           <a:p>
             <a:fld id="{78C97017-6FC3-485B-9764-EAC9E56C1D49}" type="datetimeFigureOut">
               <a:rPr lang="en-US" smtClean="0"/>
-              <a:t>7/21/17</a:t>
+              <a:t>10/18/2017</a:t>
             </a:fld>
             <a:endParaRPr lang="en-US"/>
           </a:p>
@@ -2121,7 +2121,7 @@
           <a:p>
             <a:fld id="{78C97017-6FC3-485B-9764-EAC9E56C1D49}" type="datetimeFigureOut">
               <a:rPr lang="en-US" smtClean="0"/>
-              <a:t>7/21/17</a:t>
+              <a:t>10/18/2017</a:t>
             </a:fld>
             <a:endParaRPr lang="en-US"/>
           </a:p>
@@ -2238,7 +2238,7 @@
           <a:p>
             <a:fld id="{78C97017-6FC3-485B-9764-EAC9E56C1D49}" type="datetimeFigureOut">
               <a:rPr lang="en-US" smtClean="0"/>
-              <a:t>7/21/17</a:t>
+              <a:t>10/18/2017</a:t>
             </a:fld>
             <a:endParaRPr lang="en-US"/>
           </a:p>
@@ -2333,7 +2333,7 @@
           <a:p>
             <a:fld id="{78C97017-6FC3-485B-9764-EAC9E56C1D49}" type="datetimeFigureOut">
               <a:rPr lang="en-US" smtClean="0"/>
-              <a:t>7/21/17</a:t>
+              <a:t>10/18/2017</a:t>
             </a:fld>
             <a:endParaRPr lang="en-US"/>
           </a:p>
@@ -2608,7 +2608,7 @@
           <a:p>
             <a:fld id="{78C97017-6FC3-485B-9764-EAC9E56C1D49}" type="datetimeFigureOut">
               <a:rPr lang="en-US" smtClean="0"/>
-              <a:t>7/21/17</a:t>
+              <a:t>10/18/2017</a:t>
             </a:fld>
             <a:endParaRPr lang="en-US"/>
           </a:p>
@@ -2860,7 +2860,7 @@
           <a:p>
             <a:fld id="{78C97017-6FC3-485B-9764-EAC9E56C1D49}" type="datetimeFigureOut">
               <a:rPr lang="en-US" smtClean="0"/>
-              <a:t>7/21/17</a:t>
+              <a:t>10/18/2017</a:t>
             </a:fld>
             <a:endParaRPr lang="en-US"/>
           </a:p>
@@ -3071,7 +3071,7 @@
           <a:p>
             <a:fld id="{78C97017-6FC3-485B-9764-EAC9E56C1D49}" type="datetimeFigureOut">
               <a:rPr lang="en-US" smtClean="0"/>
-              <a:t>7/21/17</a:t>
+              <a:t>10/18/2017</a:t>
             </a:fld>
             <a:endParaRPr lang="en-US"/>
           </a:p>
@@ -3454,7 +3454,7 @@
         </p:nvSpPr>
         <p:spPr>
           <a:xfrm>
-            <a:off x="831983" y="1961662"/>
+            <a:off x="146183" y="1961662"/>
             <a:ext cx="1311779" cy="2076938"/>
           </a:xfrm>
           <a:prstGeom prst="roundRect">
@@ -3507,8 +3507,8 @@
         </p:nvSpPr>
         <p:spPr>
           <a:xfrm>
-            <a:off x="3124200" y="1600200"/>
-            <a:ext cx="5486400" cy="2819400"/>
+            <a:off x="2438400" y="990600"/>
+            <a:ext cx="6172200" cy="4038600"/>
           </a:xfrm>
           <a:prstGeom prst="roundRect">
             <a:avLst>
@@ -3568,7 +3568,7 @@
         </p:nvSpPr>
         <p:spPr>
           <a:xfrm>
-            <a:off x="5410201" y="1826345"/>
+            <a:off x="4724401" y="1826345"/>
             <a:ext cx="772043" cy="346760"/>
           </a:xfrm>
           <a:prstGeom prst="rect">
@@ -3642,7 +3642,7 @@
         </p:nvCxnSpPr>
         <p:spPr>
           <a:xfrm rot="10800000" flipV="1">
-            <a:off x="4504529" y="1999724"/>
+            <a:off x="3818729" y="1999724"/>
             <a:ext cx="905672" cy="668879"/>
           </a:xfrm>
           <a:prstGeom prst="bentConnector3">
@@ -3678,7 +3678,7 @@
         </p:nvSpPr>
         <p:spPr>
           <a:xfrm>
-            <a:off x="5410200" y="2514600"/>
+            <a:off x="4724400" y="2514600"/>
             <a:ext cx="772043" cy="509659"/>
           </a:xfrm>
           <a:prstGeom prst="rect">
@@ -3718,14 +3718,6 @@
               </a:rPr>
               <a:t>{abstract}</a:t>
             </a:r>
-            <a:r>
-              <a:rPr lang="en-US" sz="1050" b="1">
-                <a:solidFill>
-                  <a:srgbClr val="0070C0"/>
-                </a:solidFill>
-              </a:rPr>
-              <a:t/>
-            </a:r>
             <a:br>
               <a:rPr lang="en-US" sz="1050" b="1">
                 <a:solidFill>
@@ -3734,7 +3726,7 @@
               </a:rPr>
             </a:br>
             <a:r>
-              <a:rPr lang="en-US" sz="1050" b="1" smtClean="0">
+              <a:rPr lang="en-US" sz="1050" b="1">
                 <a:solidFill>
                   <a:srgbClr val="0070C0"/>
                 </a:solidFill>
@@ -3745,7 +3737,7 @@
           <a:p>
             <a:pPr algn="ctr"/>
             <a:r>
-              <a:rPr lang="en-US" sz="1050" b="1" dirty="0" smtClean="0">
+              <a:rPr lang="en-US" sz="1050" b="1" dirty="0">
                 <a:solidFill>
                   <a:srgbClr val="0070C0"/>
                 </a:solidFill>
@@ -3771,7 +3763,7 @@
         </p:nvCxnSpPr>
         <p:spPr>
           <a:xfrm rot="5400000">
-            <a:off x="5625476" y="2343852"/>
+            <a:off x="4939676" y="2343852"/>
             <a:ext cx="341495" cy="1"/>
           </a:xfrm>
           <a:prstGeom prst="bentConnector3">
@@ -3807,7 +3799,7 @@
         </p:nvSpPr>
         <p:spPr>
           <a:xfrm rot="10800000" flipV="1">
-            <a:off x="5660969" y="2173104"/>
+            <a:off x="4975169" y="2173104"/>
             <a:ext cx="270504" cy="175523"/>
           </a:xfrm>
           <a:prstGeom prst="triangle">
@@ -3861,7 +3853,7 @@
         </p:nvSpPr>
         <p:spPr>
           <a:xfrm flipH="1">
-            <a:off x="7239001" y="2997128"/>
+            <a:off x="6553200" y="2962981"/>
             <a:ext cx="1175193" cy="359669"/>
           </a:xfrm>
           <a:prstGeom prst="rect">
@@ -3894,7 +3886,7 @@
           <a:p>
             <a:pPr algn="ctr"/>
             <a:r>
-              <a:rPr lang="en-US" sz="1050" b="1" smtClean="0">
+              <a:rPr lang="en-US" sz="1050" b="1">
                 <a:solidFill>
                   <a:srgbClr val="0070C0"/>
                 </a:solidFill>
@@ -3917,7 +3909,7 @@
         </p:nvSpPr>
         <p:spPr>
           <a:xfrm flipH="1">
-            <a:off x="7239000" y="3431436"/>
+            <a:off x="6553200" y="3431436"/>
             <a:ext cx="1175194" cy="359669"/>
           </a:xfrm>
           <a:prstGeom prst="rect">
@@ -3950,7 +3942,7 @@
           <a:p>
             <a:pPr algn="ctr"/>
             <a:r>
-              <a:rPr lang="en-US" sz="1050" b="1" dirty="0" err="1" smtClean="0">
+              <a:rPr lang="en-US" sz="1050" b="1" dirty="0" err="1">
                 <a:solidFill>
                   <a:srgbClr val="0070C0"/>
                 </a:solidFill>
@@ -3973,7 +3965,7 @@
         </p:nvSpPr>
         <p:spPr>
           <a:xfrm flipH="1">
-            <a:off x="7239000" y="3906103"/>
+            <a:off x="6553200" y="3906103"/>
             <a:ext cx="1175194" cy="359669"/>
           </a:xfrm>
           <a:prstGeom prst="rect">
@@ -4006,7 +3998,7 @@
           <a:p>
             <a:pPr algn="ctr"/>
             <a:r>
-              <a:rPr lang="mr-IN" sz="1050" b="1" dirty="0" smtClean="0">
+              <a:rPr lang="mr-IN" sz="1050" b="1" dirty="0">
                 <a:solidFill>
                   <a:srgbClr val="0070C0"/>
                 </a:solidFill>
@@ -4032,7 +4024,7 @@
         </p:nvCxnSpPr>
         <p:spPr>
           <a:xfrm>
-            <a:off x="6182243" y="2769430"/>
+            <a:off x="5496443" y="2769430"/>
             <a:ext cx="1056757" cy="1316508"/>
           </a:xfrm>
           <a:prstGeom prst="bentConnector3">
@@ -4071,7 +4063,7 @@
         </p:nvCxnSpPr>
         <p:spPr>
           <a:xfrm>
-            <a:off x="6182243" y="2769430"/>
+            <a:off x="5496443" y="2769430"/>
             <a:ext cx="1056757" cy="841841"/>
           </a:xfrm>
           <a:prstGeom prst="bentConnector3">
@@ -4110,8 +4102,8 @@
         </p:nvCxnSpPr>
         <p:spPr>
           <a:xfrm>
-            <a:off x="6182243" y="2769430"/>
-            <a:ext cx="1056758" cy="407533"/>
+            <a:off x="5496443" y="2769430"/>
+            <a:ext cx="1056757" cy="373386"/>
           </a:xfrm>
           <a:prstGeom prst="bentConnector3">
             <a:avLst>
@@ -4146,7 +4138,7 @@
         </p:nvSpPr>
         <p:spPr>
           <a:xfrm rot="5400000" flipV="1">
-            <a:off x="6134752" y="2691099"/>
+            <a:off x="5448952" y="2691099"/>
             <a:ext cx="270504" cy="175523"/>
           </a:xfrm>
           <a:prstGeom prst="triangle">
@@ -4200,7 +4192,7 @@
         </p:nvSpPr>
         <p:spPr>
           <a:xfrm flipH="1">
-            <a:off x="3329336" y="2488769"/>
+            <a:off x="2643536" y="2488769"/>
             <a:ext cx="1175193" cy="359669"/>
           </a:xfrm>
           <a:prstGeom prst="rect">
@@ -4233,7 +4225,7 @@
           <a:p>
             <a:pPr algn="ctr"/>
             <a:r>
-              <a:rPr lang="en-US" sz="1050" b="1" smtClean="0">
+              <a:rPr lang="en-US" sz="1050" b="1">
                 <a:solidFill>
                   <a:srgbClr val="0070C0"/>
                 </a:solidFill>
@@ -4256,7 +4248,7 @@
         </p:nvSpPr>
         <p:spPr>
           <a:xfrm flipH="1">
-            <a:off x="3329336" y="2944348"/>
+            <a:off x="2643536" y="2944348"/>
             <a:ext cx="1175193" cy="359669"/>
           </a:xfrm>
           <a:prstGeom prst="rect">
@@ -4289,7 +4281,7 @@
           <a:p>
             <a:pPr algn="ctr"/>
             <a:r>
-              <a:rPr lang="en-US" sz="1050" b="1" dirty="0" err="1" smtClean="0">
+              <a:rPr lang="en-US" sz="1050" b="1" dirty="0" err="1">
                 <a:solidFill>
                   <a:srgbClr val="0070C0"/>
                 </a:solidFill>
@@ -4315,7 +4307,7 @@
         </p:nvCxnSpPr>
         <p:spPr>
           <a:xfrm rot="10800000" flipV="1">
-            <a:off x="4504529" y="1999725"/>
+            <a:off x="3818729" y="1999725"/>
             <a:ext cx="905672" cy="1124458"/>
           </a:xfrm>
           <a:prstGeom prst="bentConnector3">
@@ -4351,7 +4343,7 @@
         </p:nvSpPr>
         <p:spPr>
           <a:xfrm flipH="1">
-            <a:off x="3328030" y="3396703"/>
+            <a:off x="2642230" y="3396703"/>
             <a:ext cx="1175194" cy="359669"/>
           </a:xfrm>
           <a:prstGeom prst="rect">
@@ -4384,7 +4376,7 @@
           <a:p>
             <a:pPr algn="ctr"/>
             <a:r>
-              <a:rPr lang="mr-IN" sz="1050" b="1" dirty="0" smtClean="0">
+              <a:rPr lang="mr-IN" sz="1050" b="1" dirty="0">
                 <a:solidFill>
                   <a:srgbClr val="0070C0"/>
                 </a:solidFill>
@@ -4410,7 +4402,7 @@
         </p:nvCxnSpPr>
         <p:spPr>
           <a:xfrm rot="10800000" flipV="1">
-            <a:off x="4503225" y="1999724"/>
+            <a:off x="3817425" y="1999724"/>
             <a:ext cx="906977" cy="1576813"/>
           </a:xfrm>
           <a:prstGeom prst="bentConnector3">
@@ -4446,7 +4438,7 @@
         </p:nvSpPr>
         <p:spPr>
           <a:xfrm rot="16200000" flipV="1">
-            <a:off x="5187187" y="1911963"/>
+            <a:off x="4501387" y="1911963"/>
             <a:ext cx="270504" cy="175523"/>
           </a:xfrm>
           <a:prstGeom prst="triangle">
@@ -4500,7 +4492,7 @@
         </p:nvSpPr>
         <p:spPr>
           <a:xfrm flipH="1">
-            <a:off x="1003252" y="2120502"/>
+            <a:off x="317452" y="2120502"/>
             <a:ext cx="970326" cy="346760"/>
           </a:xfrm>
           <a:prstGeom prst="rect">
@@ -4533,7 +4525,7 @@
           <a:p>
             <a:pPr algn="ctr"/>
             <a:r>
-              <a:rPr lang="en-US" sz="1050" b="1" dirty="0" err="1" smtClean="0">
+              <a:rPr lang="en-US" sz="1050" b="1" dirty="0" err="1">
                 <a:solidFill>
                   <a:srgbClr val="0070C0"/>
                 </a:solidFill>
@@ -4556,7 +4548,7 @@
         </p:nvSpPr>
         <p:spPr>
           <a:xfrm>
-            <a:off x="1101850" y="3529390"/>
+            <a:off x="416050" y="3529390"/>
             <a:ext cx="772043" cy="346760"/>
           </a:xfrm>
           <a:prstGeom prst="rect">
@@ -4627,7 +4619,7 @@
         </p:nvSpPr>
         <p:spPr>
           <a:xfrm flipV="1">
-            <a:off x="1352621" y="3360825"/>
+            <a:off x="666821" y="3360825"/>
             <a:ext cx="270504" cy="175523"/>
           </a:xfrm>
           <a:prstGeom prst="triangle">
@@ -4683,7 +4675,7 @@
         </p:nvCxnSpPr>
         <p:spPr>
           <a:xfrm rot="5400000" flipH="1" flipV="1">
-            <a:off x="1041363" y="2913773"/>
+            <a:off x="355563" y="2913773"/>
             <a:ext cx="893563" cy="542"/>
           </a:xfrm>
           <a:prstGeom prst="bentConnector3">
@@ -4715,6 +4707,7 @@
         <p:nvCxnSpPr>
           <p:cNvPr id="30" name="Elbow Connector 25"/>
           <p:cNvCxnSpPr>
+            <a:cxnSpLocks/>
             <a:stCxn id="2" idx="1"/>
             <a:endCxn id="25" idx="3"/>
           </p:cNvCxnSpPr>
@@ -4722,7 +4715,7 @@
         </p:nvCxnSpPr>
         <p:spPr>
           <a:xfrm flipH="1" flipV="1">
-            <a:off x="2143762" y="3000131"/>
+            <a:off x="1457962" y="3000131"/>
             <a:ext cx="980438" cy="9769"/>
           </a:xfrm>
           <a:prstGeom prst="straightConnector1">
@@ -4751,6 +4744,484 @@
           </a:fontRef>
         </p:style>
       </p:cxnSp>
+      <p:sp>
+        <p:nvSpPr>
+          <p:cNvPr id="32" name="Rectangle 11">
+            <a:extLst>
+              <a:ext uri="{FF2B5EF4-FFF2-40B4-BE49-F238E27FC236}">
+                <a16:creationId xmlns:a16="http://schemas.microsoft.com/office/drawing/2014/main" id="{1F48AA48-E196-4523-80F5-B6D8A6EC852B}"/>
+              </a:ext>
+            </a:extLst>
+          </p:cNvPr>
+          <p:cNvSpPr/>
+          <p:nvPr/>
+        </p:nvSpPr>
+        <p:spPr>
+          <a:xfrm flipH="1">
+            <a:off x="6553200" y="4377734"/>
+            <a:ext cx="1175194" cy="543912"/>
+          </a:xfrm>
+          <a:prstGeom prst="rect">
+            <a:avLst/>
+          </a:prstGeom>
+          <a:ln w="19050">
+            <a:solidFill>
+              <a:srgbClr val="0070C0"/>
+            </a:solidFill>
+          </a:ln>
+          <a:effectLst/>
+        </p:spPr>
+        <p:style>
+          <a:lnRef idx="1">
+            <a:schemeClr val="accent1"/>
+          </a:lnRef>
+          <a:fillRef idx="2">
+            <a:schemeClr val="accent1"/>
+          </a:fillRef>
+          <a:effectRef idx="1">
+            <a:schemeClr val="accent1"/>
+          </a:effectRef>
+          <a:fontRef idx="minor">
+            <a:schemeClr val="dk1"/>
+          </a:fontRef>
+        </p:style>
+        <p:txBody>
+          <a:bodyPr rtlCol="0" anchor="ctr"/>
+          <a:lstStyle/>
+          <a:p>
+            <a:pPr algn="ctr"/>
+            <a:r>
+              <a:rPr lang="en-US" sz="1050" b="1" dirty="0">
+                <a:solidFill>
+                  <a:srgbClr val="0070C0"/>
+                </a:solidFill>
+              </a:rPr>
+              <a:t>{Abstract}</a:t>
+            </a:r>
+          </a:p>
+          <a:p>
+            <a:pPr algn="ctr"/>
+            <a:r>
+              <a:rPr lang="en-US" sz="1050" b="1" dirty="0" err="1">
+                <a:solidFill>
+                  <a:srgbClr val="0070C0"/>
+                </a:solidFill>
+              </a:rPr>
+              <a:t>C</a:t>
+            </a:r>
+            <a:r>
+              <a:rPr lang="en-US" altLang="zh-CN" sz="1050" b="1" dirty="0" err="1">
+                <a:solidFill>
+                  <a:srgbClr val="0070C0"/>
+                </a:solidFill>
+              </a:rPr>
+              <a:t>onfig</a:t>
+            </a:r>
+            <a:r>
+              <a:rPr lang="en-US" sz="1050" b="1" dirty="0" err="1">
+                <a:solidFill>
+                  <a:srgbClr val="0070C0"/>
+                </a:solidFill>
+              </a:rPr>
+              <a:t>Command</a:t>
+            </a:r>
+            <a:endParaRPr lang="en-US" sz="1050" b="1" dirty="0">
+              <a:solidFill>
+                <a:srgbClr val="0070C0"/>
+              </a:solidFill>
+            </a:endParaRPr>
+          </a:p>
+        </p:txBody>
+      </p:sp>
+      <p:cxnSp>
+        <p:nvCxnSpPr>
+          <p:cNvPr id="36" name="Elbow Connector 128">
+            <a:extLst>
+              <a:ext uri="{FF2B5EF4-FFF2-40B4-BE49-F238E27FC236}">
+                <a16:creationId xmlns:a16="http://schemas.microsoft.com/office/drawing/2014/main" id="{A1469089-291A-465A-8F00-F6E53173534C}"/>
+              </a:ext>
+            </a:extLst>
+          </p:cNvPr>
+          <p:cNvCxnSpPr>
+            <a:cxnSpLocks/>
+            <a:endCxn id="32" idx="3"/>
+          </p:cNvCxnSpPr>
+          <p:nvPr/>
+        </p:nvCxnSpPr>
+        <p:spPr>
+          <a:xfrm rot="16200000" flipH="1">
+            <a:off x="5358230" y="3454720"/>
+            <a:ext cx="1861560" cy="528379"/>
+          </a:xfrm>
+          <a:prstGeom prst="bentConnector2">
+            <a:avLst/>
+          </a:prstGeom>
+          <a:ln w="19050">
+            <a:headEnd type="none" w="med" len="med"/>
+            <a:tailEnd type="none" w="med" len="med"/>
+          </a:ln>
+        </p:spPr>
+        <p:style>
+          <a:lnRef idx="1">
+            <a:schemeClr val="accent1"/>
+          </a:lnRef>
+          <a:fillRef idx="0">
+            <a:schemeClr val="accent1"/>
+          </a:fillRef>
+          <a:effectRef idx="0">
+            <a:schemeClr val="accent1"/>
+          </a:effectRef>
+          <a:fontRef idx="minor">
+            <a:schemeClr val="tx1"/>
+          </a:fontRef>
+        </p:style>
+      </p:cxnSp>
+      <p:sp>
+        <p:nvSpPr>
+          <p:cNvPr id="44" name="Rectangle 65">
+            <a:extLst>
+              <a:ext uri="{FF2B5EF4-FFF2-40B4-BE49-F238E27FC236}">
+                <a16:creationId xmlns:a16="http://schemas.microsoft.com/office/drawing/2014/main" id="{D79C4888-0288-422D-A15E-4D68D3677602}"/>
+              </a:ext>
+            </a:extLst>
+          </p:cNvPr>
+          <p:cNvSpPr/>
+          <p:nvPr/>
+        </p:nvSpPr>
+        <p:spPr>
+          <a:xfrm>
+            <a:off x="2895601" y="5491019"/>
+            <a:ext cx="1918497" cy="1097690"/>
+          </a:xfrm>
+          <a:prstGeom prst="roundRect">
+            <a:avLst>
+              <a:gd name="adj" fmla="val 3484"/>
+            </a:avLst>
+          </a:prstGeom>
+          <a:solidFill>
+            <a:schemeClr val="accent1">
+              <a:lumMod val="20000"/>
+              <a:lumOff val="80000"/>
+            </a:schemeClr>
+          </a:solidFill>
+          <a:ln w="19050">
+            <a:noFill/>
+          </a:ln>
+          <a:effectLst/>
+        </p:spPr>
+        <p:style>
+          <a:lnRef idx="1">
+            <a:schemeClr val="accent2"/>
+          </a:lnRef>
+          <a:fillRef idx="2">
+            <a:schemeClr val="accent2"/>
+          </a:fillRef>
+          <a:effectRef idx="1">
+            <a:schemeClr val="accent2"/>
+          </a:effectRef>
+          <a:fontRef idx="minor">
+            <a:schemeClr val="dk1"/>
+          </a:fontRef>
+        </p:style>
+        <p:txBody>
+          <a:bodyPr rtlCol="0" anchor="t"/>
+          <a:lstStyle/>
+          <a:p>
+            <a:endParaRPr lang="en-SG" sz="1200" b="1" dirty="0">
+              <a:solidFill>
+                <a:srgbClr val="0070C0"/>
+              </a:solidFill>
+            </a:endParaRPr>
+          </a:p>
+        </p:txBody>
+      </p:sp>
+      <p:sp>
+        <p:nvSpPr>
+          <p:cNvPr id="45" name="Rectangle 11">
+            <a:extLst>
+              <a:ext uri="{FF2B5EF4-FFF2-40B4-BE49-F238E27FC236}">
+                <a16:creationId xmlns:a16="http://schemas.microsoft.com/office/drawing/2014/main" id="{0218D461-A9A1-4750-A4A9-3E72A22E9018}"/>
+              </a:ext>
+            </a:extLst>
+          </p:cNvPr>
+          <p:cNvSpPr/>
+          <p:nvPr/>
+        </p:nvSpPr>
+        <p:spPr>
+          <a:xfrm flipH="1">
+            <a:off x="3048000" y="5600772"/>
+            <a:ext cx="1500877" cy="359669"/>
+          </a:xfrm>
+          <a:prstGeom prst="rect">
+            <a:avLst/>
+          </a:prstGeom>
+          <a:ln w="19050">
+            <a:solidFill>
+              <a:srgbClr val="0070C0"/>
+            </a:solidFill>
+          </a:ln>
+          <a:effectLst/>
+        </p:spPr>
+        <p:style>
+          <a:lnRef idx="1">
+            <a:schemeClr val="accent1"/>
+          </a:lnRef>
+          <a:fillRef idx="2">
+            <a:schemeClr val="accent1"/>
+          </a:fillRef>
+          <a:effectRef idx="1">
+            <a:schemeClr val="accent1"/>
+          </a:effectRef>
+          <a:fontRef idx="minor">
+            <a:schemeClr val="dk1"/>
+          </a:fontRef>
+        </p:style>
+        <p:txBody>
+          <a:bodyPr rtlCol="0" anchor="ctr"/>
+          <a:lstStyle/>
+          <a:p>
+            <a:pPr algn="ctr"/>
+            <a:r>
+              <a:rPr lang="en-US" sz="1050" b="1" dirty="0" err="1">
+                <a:solidFill>
+                  <a:srgbClr val="0070C0"/>
+                </a:solidFill>
+              </a:rPr>
+              <a:t>AddP</a:t>
+            </a:r>
+            <a:r>
+              <a:rPr lang="en-US" altLang="zh-CN" sz="1050" b="1" dirty="0" err="1">
+                <a:solidFill>
+                  <a:srgbClr val="0070C0"/>
+                </a:solidFill>
+              </a:rPr>
+              <a:t>roperty</a:t>
+            </a:r>
+            <a:r>
+              <a:rPr lang="en-US" sz="1050" b="1" dirty="0" err="1">
+                <a:solidFill>
+                  <a:srgbClr val="0070C0"/>
+                </a:solidFill>
+              </a:rPr>
+              <a:t>Command</a:t>
+            </a:r>
+            <a:endParaRPr lang="en-US" sz="1050" b="1" dirty="0">
+              <a:solidFill>
+                <a:srgbClr val="0070C0"/>
+              </a:solidFill>
+            </a:endParaRPr>
+          </a:p>
+        </p:txBody>
+      </p:sp>
+      <p:sp>
+        <p:nvSpPr>
+          <p:cNvPr id="47" name="Rectangle 11">
+            <a:extLst>
+              <a:ext uri="{FF2B5EF4-FFF2-40B4-BE49-F238E27FC236}">
+                <a16:creationId xmlns:a16="http://schemas.microsoft.com/office/drawing/2014/main" id="{687798E8-44A2-48D8-BC3A-C913056D3845}"/>
+              </a:ext>
+            </a:extLst>
+          </p:cNvPr>
+          <p:cNvSpPr/>
+          <p:nvPr/>
+        </p:nvSpPr>
+        <p:spPr>
+          <a:xfrm flipH="1">
+            <a:off x="3047999" y="6098854"/>
+            <a:ext cx="1500877" cy="359669"/>
+          </a:xfrm>
+          <a:prstGeom prst="rect">
+            <a:avLst/>
+          </a:prstGeom>
+          <a:ln w="19050">
+            <a:solidFill>
+              <a:srgbClr val="0070C0"/>
+            </a:solidFill>
+          </a:ln>
+          <a:effectLst/>
+        </p:spPr>
+        <p:style>
+          <a:lnRef idx="1">
+            <a:schemeClr val="accent1"/>
+          </a:lnRef>
+          <a:fillRef idx="2">
+            <a:schemeClr val="accent1"/>
+          </a:fillRef>
+          <a:effectRef idx="1">
+            <a:schemeClr val="accent1"/>
+          </a:effectRef>
+          <a:fontRef idx="minor">
+            <a:schemeClr val="dk1"/>
+          </a:fontRef>
+        </p:style>
+        <p:txBody>
+          <a:bodyPr rtlCol="0" anchor="ctr"/>
+          <a:lstStyle/>
+          <a:p>
+            <a:pPr algn="ctr"/>
+            <a:r>
+              <a:rPr lang="mr-IN" sz="1050" b="1" dirty="0">
+                <a:solidFill>
+                  <a:srgbClr val="0070C0"/>
+                </a:solidFill>
+              </a:rPr>
+              <a:t>…</a:t>
+            </a:r>
+            <a:endParaRPr lang="en-US" sz="1050" b="1" dirty="0">
+              <a:solidFill>
+                <a:srgbClr val="0070C0"/>
+              </a:solidFill>
+            </a:endParaRPr>
+          </a:p>
+        </p:txBody>
+      </p:sp>
+      <p:cxnSp>
+        <p:nvCxnSpPr>
+          <p:cNvPr id="48" name="Elbow Connector 128">
+            <a:extLst>
+              <a:ext uri="{FF2B5EF4-FFF2-40B4-BE49-F238E27FC236}">
+                <a16:creationId xmlns:a16="http://schemas.microsoft.com/office/drawing/2014/main" id="{FB6FC0D4-86FF-401A-8116-B385E9919C2F}"/>
+              </a:ext>
+            </a:extLst>
+          </p:cNvPr>
+          <p:cNvCxnSpPr>
+            <a:cxnSpLocks/>
+            <a:stCxn id="45" idx="1"/>
+          </p:cNvCxnSpPr>
+          <p:nvPr/>
+        </p:nvCxnSpPr>
+        <p:spPr>
+          <a:xfrm flipV="1">
+            <a:off x="4548877" y="5096565"/>
+            <a:ext cx="2591921" cy="684042"/>
+          </a:xfrm>
+          <a:prstGeom prst="bentConnector2">
+            <a:avLst/>
+          </a:prstGeom>
+          <a:ln w="19050">
+            <a:headEnd type="none" w="med" len="med"/>
+            <a:tailEnd type="none" w="med" len="med"/>
+          </a:ln>
+        </p:spPr>
+        <p:style>
+          <a:lnRef idx="1">
+            <a:schemeClr val="accent1"/>
+          </a:lnRef>
+          <a:fillRef idx="0">
+            <a:schemeClr val="accent1"/>
+          </a:fillRef>
+          <a:effectRef idx="0">
+            <a:schemeClr val="accent1"/>
+          </a:effectRef>
+          <a:fontRef idx="minor">
+            <a:schemeClr val="tx1"/>
+          </a:fontRef>
+        </p:style>
+      </p:cxnSp>
+      <p:cxnSp>
+        <p:nvCxnSpPr>
+          <p:cNvPr id="51" name="Elbow Connector 128">
+            <a:extLst>
+              <a:ext uri="{FF2B5EF4-FFF2-40B4-BE49-F238E27FC236}">
+                <a16:creationId xmlns:a16="http://schemas.microsoft.com/office/drawing/2014/main" id="{ABD1A70F-F311-43D9-BFA6-3D7DBBB44507}"/>
+              </a:ext>
+            </a:extLst>
+          </p:cNvPr>
+          <p:cNvCxnSpPr>
+            <a:cxnSpLocks/>
+            <a:stCxn id="47" idx="1"/>
+            <a:endCxn id="54" idx="3"/>
+          </p:cNvCxnSpPr>
+          <p:nvPr/>
+        </p:nvCxnSpPr>
+        <p:spPr>
+          <a:xfrm flipV="1">
+            <a:off x="4548876" y="5102071"/>
+            <a:ext cx="2595932" cy="1176618"/>
+          </a:xfrm>
+          <a:prstGeom prst="bentConnector2">
+            <a:avLst/>
+          </a:prstGeom>
+          <a:ln w="19050">
+            <a:headEnd type="none" w="med" len="med"/>
+            <a:tailEnd type="none" w="med" len="med"/>
+          </a:ln>
+        </p:spPr>
+        <p:style>
+          <a:lnRef idx="1">
+            <a:schemeClr val="accent1"/>
+          </a:lnRef>
+          <a:fillRef idx="0">
+            <a:schemeClr val="accent1"/>
+          </a:fillRef>
+          <a:effectRef idx="0">
+            <a:schemeClr val="accent1"/>
+          </a:effectRef>
+          <a:fontRef idx="minor">
+            <a:schemeClr val="tx1"/>
+          </a:fontRef>
+        </p:style>
+      </p:cxnSp>
+      <p:sp>
+        <p:nvSpPr>
+          <p:cNvPr id="54" name="Isosceles Triangle 102">
+            <a:extLst>
+              <a:ext uri="{FF2B5EF4-FFF2-40B4-BE49-F238E27FC236}">
+                <a16:creationId xmlns:a16="http://schemas.microsoft.com/office/drawing/2014/main" id="{1F5E1BBE-4C54-432A-9D8D-2C6A5C2ED16F}"/>
+              </a:ext>
+            </a:extLst>
+          </p:cNvPr>
+          <p:cNvSpPr/>
+          <p:nvPr/>
+        </p:nvSpPr>
+        <p:spPr>
+          <a:xfrm rot="10800000" flipV="1">
+            <a:off x="7009556" y="4926548"/>
+            <a:ext cx="270504" cy="175523"/>
+          </a:xfrm>
+          <a:prstGeom prst="triangle">
+            <a:avLst/>
+          </a:prstGeom>
+          <a:solidFill>
+            <a:schemeClr val="tx2">
+              <a:lumMod val="60000"/>
+              <a:lumOff val="40000"/>
+            </a:schemeClr>
+          </a:solidFill>
+          <a:ln w="19050">
+            <a:solidFill>
+              <a:srgbClr val="0070C0"/>
+            </a:solidFill>
+          </a:ln>
+          <a:effectLst/>
+        </p:spPr>
+        <p:style>
+          <a:lnRef idx="1">
+            <a:schemeClr val="accent1"/>
+          </a:lnRef>
+          <a:fillRef idx="2">
+            <a:schemeClr val="accent1"/>
+          </a:fillRef>
+          <a:effectRef idx="1">
+            <a:schemeClr val="accent1"/>
+          </a:effectRef>
+          <a:fontRef idx="minor">
+            <a:schemeClr val="dk1"/>
+          </a:fontRef>
+        </p:style>
+        <p:txBody>
+          <a:bodyPr rtlCol="0" anchor="ctr"/>
+          <a:lstStyle/>
+          <a:p>
+            <a:pPr algn="ctr"/>
+            <a:endParaRPr lang="en-SG" sz="1050" b="1">
+              <a:solidFill>
+                <a:srgbClr val="92D050"/>
+              </a:solidFill>
+            </a:endParaRPr>
+          </a:p>
+        </p:txBody>
+      </p:sp>
     </p:spTree>
     <p:extLst>
       <p:ext uri="{BB962C8B-B14F-4D97-AF65-F5344CB8AC3E}">

--- a/docs/diagrams/LogicComponentCommandClassDiagram.pptx
+++ b/docs/diagrams/LogicComponentCommandClassDiagram.pptx
@@ -212,7 +212,7 @@
           <a:p>
             <a:fld id="{F5CC4B3F-88C1-4FFA-B1B6-F41C21DC6924}" type="datetimeFigureOut">
               <a:rPr lang="en-US" smtClean="0"/>
-              <a:t>10/18/2017</a:t>
+              <a:t>10/19/2017</a:t>
             </a:fld>
             <a:endParaRPr lang="en-US"/>
           </a:p>
@@ -658,7 +658,7 @@
           <a:p>
             <a:fld id="{78C97017-6FC3-485B-9764-EAC9E56C1D49}" type="datetimeFigureOut">
               <a:rPr lang="en-US" smtClean="0"/>
-              <a:t>10/18/2017</a:t>
+              <a:t>10/19/2017</a:t>
             </a:fld>
             <a:endParaRPr lang="en-US"/>
           </a:p>
@@ -826,7 +826,7 @@
           <a:p>
             <a:fld id="{78C97017-6FC3-485B-9764-EAC9E56C1D49}" type="datetimeFigureOut">
               <a:rPr lang="en-US" smtClean="0"/>
-              <a:t>10/18/2017</a:t>
+              <a:t>10/19/2017</a:t>
             </a:fld>
             <a:endParaRPr lang="en-US"/>
           </a:p>
@@ -1004,7 +1004,7 @@
           <a:p>
             <a:fld id="{78C97017-6FC3-485B-9764-EAC9E56C1D49}" type="datetimeFigureOut">
               <a:rPr lang="en-US" smtClean="0"/>
-              <a:t>10/18/2017</a:t>
+              <a:t>10/19/2017</a:t>
             </a:fld>
             <a:endParaRPr lang="en-US"/>
           </a:p>
@@ -1172,7 +1172,7 @@
           <a:p>
             <a:fld id="{78C97017-6FC3-485B-9764-EAC9E56C1D49}" type="datetimeFigureOut">
               <a:rPr lang="en-US" smtClean="0"/>
-              <a:t>10/18/2017</a:t>
+              <a:t>10/19/2017</a:t>
             </a:fld>
             <a:endParaRPr lang="en-US"/>
           </a:p>
@@ -1417,7 +1417,7 @@
           <a:p>
             <a:fld id="{78C97017-6FC3-485B-9764-EAC9E56C1D49}" type="datetimeFigureOut">
               <a:rPr lang="en-US" smtClean="0"/>
-              <a:t>10/18/2017</a:t>
+              <a:t>10/19/2017</a:t>
             </a:fld>
             <a:endParaRPr lang="en-US"/>
           </a:p>
@@ -1702,7 +1702,7 @@
           <a:p>
             <a:fld id="{78C97017-6FC3-485B-9764-EAC9E56C1D49}" type="datetimeFigureOut">
               <a:rPr lang="en-US" smtClean="0"/>
-              <a:t>10/18/2017</a:t>
+              <a:t>10/19/2017</a:t>
             </a:fld>
             <a:endParaRPr lang="en-US"/>
           </a:p>
@@ -2121,7 +2121,7 @@
           <a:p>
             <a:fld id="{78C97017-6FC3-485B-9764-EAC9E56C1D49}" type="datetimeFigureOut">
               <a:rPr lang="en-US" smtClean="0"/>
-              <a:t>10/18/2017</a:t>
+              <a:t>10/19/2017</a:t>
             </a:fld>
             <a:endParaRPr lang="en-US"/>
           </a:p>
@@ -2238,7 +2238,7 @@
           <a:p>
             <a:fld id="{78C97017-6FC3-485B-9764-EAC9E56C1D49}" type="datetimeFigureOut">
               <a:rPr lang="en-US" smtClean="0"/>
-              <a:t>10/18/2017</a:t>
+              <a:t>10/19/2017</a:t>
             </a:fld>
             <a:endParaRPr lang="en-US"/>
           </a:p>
@@ -2333,7 +2333,7 @@
           <a:p>
             <a:fld id="{78C97017-6FC3-485B-9764-EAC9E56C1D49}" type="datetimeFigureOut">
               <a:rPr lang="en-US" smtClean="0"/>
-              <a:t>10/18/2017</a:t>
+              <a:t>10/19/2017</a:t>
             </a:fld>
             <a:endParaRPr lang="en-US"/>
           </a:p>
@@ -2608,7 +2608,7 @@
           <a:p>
             <a:fld id="{78C97017-6FC3-485B-9764-EAC9E56C1D49}" type="datetimeFigureOut">
               <a:rPr lang="en-US" smtClean="0"/>
-              <a:t>10/18/2017</a:t>
+              <a:t>10/19/2017</a:t>
             </a:fld>
             <a:endParaRPr lang="en-US"/>
           </a:p>
@@ -2860,7 +2860,7 @@
           <a:p>
             <a:fld id="{78C97017-6FC3-485B-9764-EAC9E56C1D49}" type="datetimeFigureOut">
               <a:rPr lang="en-US" smtClean="0"/>
-              <a:t>10/18/2017</a:t>
+              <a:t>10/19/2017</a:t>
             </a:fld>
             <a:endParaRPr lang="en-US"/>
           </a:p>
@@ -3071,7 +3071,7 @@
           <a:p>
             <a:fld id="{78C97017-6FC3-485B-9764-EAC9E56C1D49}" type="datetimeFigureOut">
               <a:rPr lang="en-US" smtClean="0"/>
-              <a:t>10/18/2017</a:t>
+              <a:t>10/19/2017</a:t>
             </a:fld>
             <a:endParaRPr lang="en-US"/>
           </a:p>
@@ -3853,8 +3853,8 @@
         </p:nvSpPr>
         <p:spPr>
           <a:xfrm flipH="1">
-            <a:off x="6553200" y="2962981"/>
-            <a:ext cx="1175193" cy="359669"/>
+            <a:off x="6553199" y="2962981"/>
+            <a:ext cx="1295399" cy="359669"/>
           </a:xfrm>
           <a:prstGeom prst="rect">
             <a:avLst/>
@@ -3910,7 +3910,7 @@
         <p:spPr>
           <a:xfrm flipH="1">
             <a:off x="6553200" y="3431436"/>
-            <a:ext cx="1175194" cy="359669"/>
+            <a:ext cx="1295398" cy="359669"/>
           </a:xfrm>
           <a:prstGeom prst="rect">
             <a:avLst/>
@@ -3966,7 +3966,7 @@
         <p:spPr>
           <a:xfrm flipH="1">
             <a:off x="6553200" y="3906103"/>
-            <a:ext cx="1175194" cy="359669"/>
+            <a:ext cx="1295398" cy="359669"/>
           </a:xfrm>
           <a:prstGeom prst="rect">
             <a:avLst/>
@@ -4017,6 +4017,7 @@
         <p:nvCxnSpPr>
           <p:cNvPr id="129" name="Elbow Connector 128"/>
           <p:cNvCxnSpPr>
+            <a:cxnSpLocks/>
             <a:stCxn id="76" idx="3"/>
             <a:endCxn id="128" idx="3"/>
           </p:cNvCxnSpPr>
@@ -4056,6 +4057,7 @@
         <p:nvCxnSpPr>
           <p:cNvPr id="131" name="Elbow Connector 130"/>
           <p:cNvCxnSpPr>
+            <a:cxnSpLocks/>
             <a:stCxn id="76" idx="3"/>
             <a:endCxn id="113" idx="3"/>
           </p:cNvCxnSpPr>
@@ -4095,6 +4097,7 @@
         <p:nvCxnSpPr>
           <p:cNvPr id="134" name="Elbow Connector 133"/>
           <p:cNvCxnSpPr>
+            <a:cxnSpLocks/>
             <a:stCxn id="76" idx="3"/>
             <a:endCxn id="107" idx="3"/>
           </p:cNvCxnSpPr>
@@ -4103,7 +4106,7 @@
         <p:spPr>
           <a:xfrm>
             <a:off x="5496443" y="2769430"/>
-            <a:ext cx="1056757" cy="373386"/>
+            <a:ext cx="1056756" cy="373386"/>
           </a:xfrm>
           <a:prstGeom prst="bentConnector3">
             <a:avLst>
@@ -4759,7 +4762,7 @@
         <p:spPr>
           <a:xfrm flipH="1">
             <a:off x="6553200" y="4377734"/>
-            <a:ext cx="1175194" cy="543912"/>
+            <a:ext cx="1295398" cy="543912"/>
           </a:xfrm>
           <a:prstGeom prst="rect">
             <a:avLst/>
@@ -4851,7 +4854,7 @@
         <p:spPr>
           <a:xfrm rot="16200000" flipH="1">
             <a:off x="5358230" y="3454720"/>
-            <a:ext cx="1861560" cy="528379"/>
+            <a:ext cx="1861560" cy="528380"/>
           </a:xfrm>
           <a:prstGeom prst="bentConnector2">
             <a:avLst/>
@@ -5222,6 +5225,112 @@
           </a:p>
         </p:txBody>
       </p:sp>
+      <p:sp>
+        <p:nvSpPr>
+          <p:cNvPr id="35" name="Rectangle 11">
+            <a:extLst>
+              <a:ext uri="{FF2B5EF4-FFF2-40B4-BE49-F238E27FC236}">
+                <a16:creationId xmlns:a16="http://schemas.microsoft.com/office/drawing/2014/main" id="{A3D079AB-7CC4-47B0-8CB7-6B6111C28140}"/>
+              </a:ext>
+            </a:extLst>
+          </p:cNvPr>
+          <p:cNvSpPr/>
+          <p:nvPr/>
+        </p:nvSpPr>
+        <p:spPr>
+          <a:xfrm flipH="1">
+            <a:off x="6553198" y="2435163"/>
+            <a:ext cx="1295401" cy="359669"/>
+          </a:xfrm>
+          <a:prstGeom prst="rect">
+            <a:avLst/>
+          </a:prstGeom>
+          <a:ln w="19050">
+            <a:solidFill>
+              <a:srgbClr val="0070C0"/>
+            </a:solidFill>
+          </a:ln>
+          <a:effectLst/>
+        </p:spPr>
+        <p:style>
+          <a:lnRef idx="1">
+            <a:schemeClr val="accent1"/>
+          </a:lnRef>
+          <a:fillRef idx="2">
+            <a:schemeClr val="accent1"/>
+          </a:fillRef>
+          <a:effectRef idx="1">
+            <a:schemeClr val="accent1"/>
+          </a:effectRef>
+          <a:fontRef idx="minor">
+            <a:schemeClr val="dk1"/>
+          </a:fontRef>
+        </p:style>
+        <p:txBody>
+          <a:bodyPr rtlCol="0" anchor="ctr"/>
+          <a:lstStyle/>
+          <a:p>
+            <a:pPr algn="ctr"/>
+            <a:r>
+              <a:rPr lang="en-US" sz="1050" b="1" dirty="0" err="1">
+                <a:solidFill>
+                  <a:srgbClr val="0070C0"/>
+                </a:solidFill>
+              </a:rPr>
+              <a:t>AddEventCommand</a:t>
+            </a:r>
+            <a:endParaRPr lang="en-US" sz="1050" b="1" dirty="0">
+              <a:solidFill>
+                <a:srgbClr val="0070C0"/>
+              </a:solidFill>
+            </a:endParaRPr>
+          </a:p>
+        </p:txBody>
+      </p:sp>
+      <p:cxnSp>
+        <p:nvCxnSpPr>
+          <p:cNvPr id="37" name="Elbow Connector 133">
+            <a:extLst>
+              <a:ext uri="{FF2B5EF4-FFF2-40B4-BE49-F238E27FC236}">
+                <a16:creationId xmlns:a16="http://schemas.microsoft.com/office/drawing/2014/main" id="{C09865B3-E5EA-495A-B0C1-26F865A0235D}"/>
+              </a:ext>
+            </a:extLst>
+          </p:cNvPr>
+          <p:cNvCxnSpPr>
+            <a:cxnSpLocks/>
+          </p:cNvCxnSpPr>
+          <p:nvPr/>
+        </p:nvCxnSpPr>
+        <p:spPr>
+          <a:xfrm flipV="1">
+            <a:off x="6024820" y="2638706"/>
+            <a:ext cx="555483" cy="130723"/>
+          </a:xfrm>
+          <a:prstGeom prst="bentConnector3">
+            <a:avLst>
+              <a:gd name="adj1" fmla="val 50000"/>
+            </a:avLst>
+          </a:prstGeom>
+          <a:ln w="19050">
+            <a:headEnd type="none" w="med" len="med"/>
+            <a:tailEnd type="none" w="med" len="med"/>
+          </a:ln>
+        </p:spPr>
+        <p:style>
+          <a:lnRef idx="1">
+            <a:schemeClr val="accent1"/>
+          </a:lnRef>
+          <a:fillRef idx="0">
+            <a:schemeClr val="accent1"/>
+          </a:fillRef>
+          <a:effectRef idx="0">
+            <a:schemeClr val="accent1"/>
+          </a:effectRef>
+          <a:fontRef idx="minor">
+            <a:schemeClr val="tx1"/>
+          </a:fontRef>
+        </p:style>
+      </p:cxnSp>
     </p:spTree>
     <p:extLst>
       <p:ext uri="{BB962C8B-B14F-4D97-AF65-F5344CB8AC3E}">

--- a/docs/diagrams/LogicComponentCommandClassDiagram.pptx
+++ b/docs/diagrams/LogicComponentCommandClassDiagram.pptx
@@ -5,10 +5,11 @@
     <p:sldMasterId id="2147483648" r:id="rId1"/>
   </p:sldMasterIdLst>
   <p:notesMasterIdLst>
-    <p:notesMasterId r:id="rId3"/>
+    <p:notesMasterId r:id="rId4"/>
   </p:notesMasterIdLst>
   <p:sldIdLst>
     <p:sldId id="262" r:id="rId2"/>
+    <p:sldId id="263" r:id="rId3"/>
   </p:sldIdLst>
   <p:sldSz cx="9144000" cy="6858000" type="screen4x3"/>
   <p:notesSz cx="6858000" cy="9144000"/>
@@ -212,7 +213,7 @@
           <a:p>
             <a:fld id="{F5CC4B3F-88C1-4FFA-B1B6-F41C21DC6924}" type="datetimeFigureOut">
               <a:rPr lang="en-US" smtClean="0"/>
-              <a:t>7/21/17</a:t>
+              <a:t>11/12/2017</a:t>
             </a:fld>
             <a:endParaRPr lang="en-US"/>
           </a:p>
@@ -658,7 +659,7 @@
           <a:p>
             <a:fld id="{78C97017-6FC3-485B-9764-EAC9E56C1D49}" type="datetimeFigureOut">
               <a:rPr lang="en-US" smtClean="0"/>
-              <a:t>7/21/17</a:t>
+              <a:t>11/12/2017</a:t>
             </a:fld>
             <a:endParaRPr lang="en-US"/>
           </a:p>
@@ -826,7 +827,7 @@
           <a:p>
             <a:fld id="{78C97017-6FC3-485B-9764-EAC9E56C1D49}" type="datetimeFigureOut">
               <a:rPr lang="en-US" smtClean="0"/>
-              <a:t>7/21/17</a:t>
+              <a:t>11/12/2017</a:t>
             </a:fld>
             <a:endParaRPr lang="en-US"/>
           </a:p>
@@ -1004,7 +1005,7 @@
           <a:p>
             <a:fld id="{78C97017-6FC3-485B-9764-EAC9E56C1D49}" type="datetimeFigureOut">
               <a:rPr lang="en-US" smtClean="0"/>
-              <a:t>7/21/17</a:t>
+              <a:t>11/12/2017</a:t>
             </a:fld>
             <a:endParaRPr lang="en-US"/>
           </a:p>
@@ -1172,7 +1173,7 @@
           <a:p>
             <a:fld id="{78C97017-6FC3-485B-9764-EAC9E56C1D49}" type="datetimeFigureOut">
               <a:rPr lang="en-US" smtClean="0"/>
-              <a:t>7/21/17</a:t>
+              <a:t>11/12/2017</a:t>
             </a:fld>
             <a:endParaRPr lang="en-US"/>
           </a:p>
@@ -1417,7 +1418,7 @@
           <a:p>
             <a:fld id="{78C97017-6FC3-485B-9764-EAC9E56C1D49}" type="datetimeFigureOut">
               <a:rPr lang="en-US" smtClean="0"/>
-              <a:t>7/21/17</a:t>
+              <a:t>11/12/2017</a:t>
             </a:fld>
             <a:endParaRPr lang="en-US"/>
           </a:p>
@@ -1702,7 +1703,7 @@
           <a:p>
             <a:fld id="{78C97017-6FC3-485B-9764-EAC9E56C1D49}" type="datetimeFigureOut">
               <a:rPr lang="en-US" smtClean="0"/>
-              <a:t>7/21/17</a:t>
+              <a:t>11/12/2017</a:t>
             </a:fld>
             <a:endParaRPr lang="en-US"/>
           </a:p>
@@ -2121,7 +2122,7 @@
           <a:p>
             <a:fld id="{78C97017-6FC3-485B-9764-EAC9E56C1D49}" type="datetimeFigureOut">
               <a:rPr lang="en-US" smtClean="0"/>
-              <a:t>7/21/17</a:t>
+              <a:t>11/12/2017</a:t>
             </a:fld>
             <a:endParaRPr lang="en-US"/>
           </a:p>
@@ -2238,7 +2239,7 @@
           <a:p>
             <a:fld id="{78C97017-6FC3-485B-9764-EAC9E56C1D49}" type="datetimeFigureOut">
               <a:rPr lang="en-US" smtClean="0"/>
-              <a:t>7/21/17</a:t>
+              <a:t>11/12/2017</a:t>
             </a:fld>
             <a:endParaRPr lang="en-US"/>
           </a:p>
@@ -2333,7 +2334,7 @@
           <a:p>
             <a:fld id="{78C97017-6FC3-485B-9764-EAC9E56C1D49}" type="datetimeFigureOut">
               <a:rPr lang="en-US" smtClean="0"/>
-              <a:t>7/21/17</a:t>
+              <a:t>11/12/2017</a:t>
             </a:fld>
             <a:endParaRPr lang="en-US"/>
           </a:p>
@@ -2608,7 +2609,7 @@
           <a:p>
             <a:fld id="{78C97017-6FC3-485B-9764-EAC9E56C1D49}" type="datetimeFigureOut">
               <a:rPr lang="en-US" smtClean="0"/>
-              <a:t>7/21/17</a:t>
+              <a:t>11/12/2017</a:t>
             </a:fld>
             <a:endParaRPr lang="en-US"/>
           </a:p>
@@ -2860,7 +2861,7 @@
           <a:p>
             <a:fld id="{78C97017-6FC3-485B-9764-EAC9E56C1D49}" type="datetimeFigureOut">
               <a:rPr lang="en-US" smtClean="0"/>
-              <a:t>7/21/17</a:t>
+              <a:t>11/12/2017</a:t>
             </a:fld>
             <a:endParaRPr lang="en-US"/>
           </a:p>
@@ -3071,7 +3072,7 @@
           <a:p>
             <a:fld id="{78C97017-6FC3-485B-9764-EAC9E56C1D49}" type="datetimeFigureOut">
               <a:rPr lang="en-US" smtClean="0"/>
-              <a:t>7/21/17</a:t>
+              <a:t>11/12/2017</a:t>
             </a:fld>
             <a:endParaRPr lang="en-US"/>
           </a:p>
@@ -3718,14 +3719,6 @@
               </a:rPr>
               <a:t>{abstract}</a:t>
             </a:r>
-            <a:r>
-              <a:rPr lang="en-US" sz="1050" b="1">
-                <a:solidFill>
-                  <a:srgbClr val="0070C0"/>
-                </a:solidFill>
-              </a:rPr>
-              <a:t/>
-            </a:r>
             <a:br>
               <a:rPr lang="en-US" sz="1050" b="1">
                 <a:solidFill>
@@ -3734,7 +3727,7 @@
               </a:rPr>
             </a:br>
             <a:r>
-              <a:rPr lang="en-US" sz="1050" b="1" smtClean="0">
+              <a:rPr lang="en-US" sz="1050" b="1">
                 <a:solidFill>
                   <a:srgbClr val="0070C0"/>
                 </a:solidFill>
@@ -3745,7 +3738,7 @@
           <a:p>
             <a:pPr algn="ctr"/>
             <a:r>
-              <a:rPr lang="en-US" sz="1050" b="1" dirty="0" smtClean="0">
+              <a:rPr lang="en-US" sz="1050" b="1" dirty="0">
                 <a:solidFill>
                   <a:srgbClr val="0070C0"/>
                 </a:solidFill>
@@ -3894,7 +3887,7 @@
           <a:p>
             <a:pPr algn="ctr"/>
             <a:r>
-              <a:rPr lang="en-US" sz="1050" b="1" smtClean="0">
+              <a:rPr lang="en-US" sz="1050" b="1" dirty="0" err="1">
                 <a:solidFill>
                   <a:srgbClr val="0070C0"/>
                 </a:solidFill>
@@ -3950,7 +3943,7 @@
           <a:p>
             <a:pPr algn="ctr"/>
             <a:r>
-              <a:rPr lang="en-US" sz="1050" b="1" dirty="0" err="1" smtClean="0">
+              <a:rPr lang="en-US" sz="1050" b="1" dirty="0" err="1">
                 <a:solidFill>
                   <a:srgbClr val="0070C0"/>
                 </a:solidFill>
@@ -4006,7 +3999,7 @@
           <a:p>
             <a:pPr algn="ctr"/>
             <a:r>
-              <a:rPr lang="mr-IN" sz="1050" b="1" dirty="0" smtClean="0">
+              <a:rPr lang="mr-IN" sz="1050" b="1" dirty="0">
                 <a:solidFill>
                   <a:srgbClr val="0070C0"/>
                 </a:solidFill>
@@ -4233,7 +4226,7 @@
           <a:p>
             <a:pPr algn="ctr"/>
             <a:r>
-              <a:rPr lang="en-US" sz="1050" b="1" smtClean="0">
+              <a:rPr lang="en-US" sz="1050" b="1">
                 <a:solidFill>
                   <a:srgbClr val="0070C0"/>
                 </a:solidFill>
@@ -4289,7 +4282,7 @@
           <a:p>
             <a:pPr algn="ctr"/>
             <a:r>
-              <a:rPr lang="en-US" sz="1050" b="1" dirty="0" err="1" smtClean="0">
+              <a:rPr lang="en-US" sz="1050" b="1" dirty="0" err="1">
                 <a:solidFill>
                   <a:srgbClr val="0070C0"/>
                 </a:solidFill>
@@ -4384,7 +4377,7 @@
           <a:p>
             <a:pPr algn="ctr"/>
             <a:r>
-              <a:rPr lang="mr-IN" sz="1050" b="1" dirty="0" smtClean="0">
+              <a:rPr lang="mr-IN" sz="1050" b="1" dirty="0">
                 <a:solidFill>
                   <a:srgbClr val="0070C0"/>
                 </a:solidFill>
@@ -4533,7 +4526,7 @@
           <a:p>
             <a:pPr algn="ctr"/>
             <a:r>
-              <a:rPr lang="en-US" sz="1050" b="1" dirty="0" err="1" smtClean="0">
+              <a:rPr lang="en-US" sz="1050" b="1" dirty="0" err="1">
                 <a:solidFill>
                   <a:srgbClr val="0070C0"/>
                 </a:solidFill>
@@ -4755,6 +4748,1138 @@
     <p:extLst>
       <p:ext uri="{BB962C8B-B14F-4D97-AF65-F5344CB8AC3E}">
         <p14:creationId xmlns:p14="http://schemas.microsoft.com/office/powerpoint/2010/main" val="211586602"/>
+      </p:ext>
+    </p:extLst>
+  </p:cSld>
+  <p:clrMapOvr>
+    <a:masterClrMapping/>
+  </p:clrMapOvr>
+</p:sld>
+</file>
+
+<file path=ppt/slides/slide2.xml><?xml version="1.0" encoding="utf-8"?>
+<p:sld xmlns:a="http://schemas.openxmlformats.org/drawingml/2006/main" xmlns:r="http://schemas.openxmlformats.org/officeDocument/2006/relationships" xmlns:p="http://schemas.openxmlformats.org/presentationml/2006/main">
+  <p:cSld>
+    <p:spTree>
+      <p:nvGrpSpPr>
+        <p:cNvPr id="1" name=""/>
+        <p:cNvGrpSpPr/>
+        <p:nvPr/>
+      </p:nvGrpSpPr>
+      <p:grpSpPr>
+        <a:xfrm>
+          <a:off x="0" y="0"/>
+          <a:ext cx="0" cy="0"/>
+          <a:chOff x="0" y="0"/>
+          <a:chExt cx="0" cy="0"/>
+        </a:xfrm>
+      </p:grpSpPr>
+      <p:sp>
+        <p:nvSpPr>
+          <p:cNvPr id="3" name="Rectangle 65">
+            <a:extLst>
+              <a:ext uri="{FF2B5EF4-FFF2-40B4-BE49-F238E27FC236}">
+                <a16:creationId xmlns:a16="http://schemas.microsoft.com/office/drawing/2014/main" id="{015C28A6-AD75-4591-8D3C-8A90DC1F334D}"/>
+              </a:ext>
+            </a:extLst>
+          </p:cNvPr>
+          <p:cNvSpPr/>
+          <p:nvPr/>
+        </p:nvSpPr>
+        <p:spPr>
+          <a:xfrm>
+            <a:off x="3124200" y="1600200"/>
+            <a:ext cx="5638800" cy="2819400"/>
+          </a:xfrm>
+          <a:prstGeom prst="roundRect">
+            <a:avLst>
+              <a:gd name="adj" fmla="val 3484"/>
+            </a:avLst>
+          </a:prstGeom>
+          <a:solidFill>
+            <a:schemeClr val="accent1">
+              <a:lumMod val="20000"/>
+              <a:lumOff val="80000"/>
+            </a:schemeClr>
+          </a:solidFill>
+          <a:ln w="19050">
+            <a:noFill/>
+          </a:ln>
+          <a:effectLst/>
+        </p:spPr>
+        <p:style>
+          <a:lnRef idx="1">
+            <a:schemeClr val="accent2"/>
+          </a:lnRef>
+          <a:fillRef idx="2">
+            <a:schemeClr val="accent2"/>
+          </a:fillRef>
+          <a:effectRef idx="1">
+            <a:schemeClr val="accent2"/>
+          </a:effectRef>
+          <a:fontRef idx="minor">
+            <a:schemeClr val="dk1"/>
+          </a:fontRef>
+        </p:style>
+        <p:txBody>
+          <a:bodyPr rtlCol="0" anchor="t"/>
+          <a:lstStyle/>
+          <a:p>
+            <a:r>
+              <a:rPr lang="en-US" sz="1200" b="1" dirty="0">
+                <a:solidFill>
+                  <a:srgbClr val="0070C0"/>
+                </a:solidFill>
+              </a:rPr>
+              <a:t>Logic</a:t>
+            </a:r>
+            <a:endParaRPr lang="en-SG" sz="1200" b="1" dirty="0">
+              <a:solidFill>
+                <a:srgbClr val="0070C0"/>
+              </a:solidFill>
+            </a:endParaRPr>
+          </a:p>
+        </p:txBody>
+      </p:sp>
+      <p:sp>
+        <p:nvSpPr>
+          <p:cNvPr id="4" name="Rectangle 62">
+            <a:extLst>
+              <a:ext uri="{FF2B5EF4-FFF2-40B4-BE49-F238E27FC236}">
+                <a16:creationId xmlns:a16="http://schemas.microsoft.com/office/drawing/2014/main" id="{3E1A5FC0-4343-4FDB-B0EC-F7636D8C2626}"/>
+              </a:ext>
+            </a:extLst>
+          </p:cNvPr>
+          <p:cNvSpPr/>
+          <p:nvPr/>
+        </p:nvSpPr>
+        <p:spPr>
+          <a:xfrm>
+            <a:off x="5410201" y="1826345"/>
+            <a:ext cx="772043" cy="346760"/>
+          </a:xfrm>
+          <a:prstGeom prst="rect">
+            <a:avLst/>
+          </a:prstGeom>
+          <a:ln w="19050">
+            <a:solidFill>
+              <a:srgbClr val="0070C0"/>
+            </a:solidFill>
+          </a:ln>
+          <a:effectLst/>
+        </p:spPr>
+        <p:style>
+          <a:lnRef idx="1">
+            <a:schemeClr val="accent1"/>
+          </a:lnRef>
+          <a:fillRef idx="2">
+            <a:schemeClr val="accent1"/>
+          </a:fillRef>
+          <a:effectRef idx="1">
+            <a:schemeClr val="accent1"/>
+          </a:effectRef>
+          <a:fontRef idx="minor">
+            <a:schemeClr val="dk1"/>
+          </a:fontRef>
+        </p:style>
+        <p:txBody>
+          <a:bodyPr rtlCol="0" anchor="ctr"/>
+          <a:lstStyle/>
+          <a:p>
+            <a:pPr algn="ctr"/>
+            <a:r>
+              <a:rPr lang="en-US" sz="1050" b="1" dirty="0">
+                <a:solidFill>
+                  <a:srgbClr val="0070C0"/>
+                </a:solidFill>
+              </a:rPr>
+              <a:t>{abstract}</a:t>
+            </a:r>
+            <a:br>
+              <a:rPr lang="en-US" sz="1050" b="1" dirty="0">
+                <a:solidFill>
+                  <a:srgbClr val="0070C0"/>
+                </a:solidFill>
+              </a:rPr>
+            </a:br>
+            <a:r>
+              <a:rPr lang="en-US" sz="1050" b="1" dirty="0">
+                <a:solidFill>
+                  <a:srgbClr val="0070C0"/>
+                </a:solidFill>
+              </a:rPr>
+              <a:t>Command</a:t>
+            </a:r>
+            <a:endParaRPr lang="en-SG" sz="1050" b="1" dirty="0">
+              <a:solidFill>
+                <a:srgbClr val="0070C0"/>
+              </a:solidFill>
+            </a:endParaRPr>
+          </a:p>
+        </p:txBody>
+      </p:sp>
+      <p:cxnSp>
+        <p:nvCxnSpPr>
+          <p:cNvPr id="5" name="Elbow Connector 95">
+            <a:extLst>
+              <a:ext uri="{FF2B5EF4-FFF2-40B4-BE49-F238E27FC236}">
+                <a16:creationId xmlns:a16="http://schemas.microsoft.com/office/drawing/2014/main" id="{04CF4B18-AB9D-48A3-B141-B9B40ECBCF39}"/>
+              </a:ext>
+            </a:extLst>
+          </p:cNvPr>
+          <p:cNvCxnSpPr>
+            <a:stCxn id="4" idx="1"/>
+            <a:endCxn id="16" idx="1"/>
+          </p:cNvCxnSpPr>
+          <p:nvPr/>
+        </p:nvCxnSpPr>
+        <p:spPr>
+          <a:xfrm rot="10800000" flipV="1">
+            <a:off x="4504529" y="1999724"/>
+            <a:ext cx="905672" cy="668879"/>
+          </a:xfrm>
+          <a:prstGeom prst="bentConnector3">
+            <a:avLst>
+              <a:gd name="adj1" fmla="val 50000"/>
+            </a:avLst>
+          </a:prstGeom>
+          <a:ln w="19050">
+            <a:headEnd type="none" w="med" len="med"/>
+            <a:tailEnd type="none" w="med" len="med"/>
+          </a:ln>
+        </p:spPr>
+        <p:style>
+          <a:lnRef idx="1">
+            <a:schemeClr val="accent1"/>
+          </a:lnRef>
+          <a:fillRef idx="0">
+            <a:schemeClr val="accent1"/>
+          </a:fillRef>
+          <a:effectRef idx="0">
+            <a:schemeClr val="accent1"/>
+          </a:effectRef>
+          <a:fontRef idx="minor">
+            <a:schemeClr val="tx1"/>
+          </a:fontRef>
+        </p:style>
+      </p:cxnSp>
+      <p:sp>
+        <p:nvSpPr>
+          <p:cNvPr id="6" name="Rectangle 62">
+            <a:extLst>
+              <a:ext uri="{FF2B5EF4-FFF2-40B4-BE49-F238E27FC236}">
+                <a16:creationId xmlns:a16="http://schemas.microsoft.com/office/drawing/2014/main" id="{9AE5D20E-C758-4E02-82DB-C78799E829BF}"/>
+              </a:ext>
+            </a:extLst>
+          </p:cNvPr>
+          <p:cNvSpPr/>
+          <p:nvPr/>
+        </p:nvSpPr>
+        <p:spPr>
+          <a:xfrm>
+            <a:off x="5410200" y="2514600"/>
+            <a:ext cx="772043" cy="509659"/>
+          </a:xfrm>
+          <a:prstGeom prst="rect">
+            <a:avLst/>
+          </a:prstGeom>
+          <a:ln w="19050">
+            <a:solidFill>
+              <a:srgbClr val="0070C0"/>
+            </a:solidFill>
+          </a:ln>
+          <a:effectLst/>
+        </p:spPr>
+        <p:style>
+          <a:lnRef idx="1">
+            <a:schemeClr val="accent1"/>
+          </a:lnRef>
+          <a:fillRef idx="2">
+            <a:schemeClr val="accent1"/>
+          </a:fillRef>
+          <a:effectRef idx="1">
+            <a:schemeClr val="accent1"/>
+          </a:effectRef>
+          <a:fontRef idx="minor">
+            <a:schemeClr val="dk1"/>
+          </a:fontRef>
+        </p:style>
+        <p:txBody>
+          <a:bodyPr rtlCol="0" anchor="ctr"/>
+          <a:lstStyle/>
+          <a:p>
+            <a:pPr algn="ctr"/>
+            <a:r>
+              <a:rPr lang="en-US" sz="1050" b="1" dirty="0">
+                <a:solidFill>
+                  <a:srgbClr val="0070C0"/>
+                </a:solidFill>
+              </a:rPr>
+              <a:t>{abstract}</a:t>
+            </a:r>
+            <a:br>
+              <a:rPr lang="en-US" sz="1050" b="1">
+                <a:solidFill>
+                  <a:srgbClr val="0070C0"/>
+                </a:solidFill>
+              </a:rPr>
+            </a:br>
+            <a:r>
+              <a:rPr lang="en-US" sz="1050" b="1">
+                <a:solidFill>
+                  <a:srgbClr val="0070C0"/>
+                </a:solidFill>
+              </a:rPr>
+              <a:t>Undoable</a:t>
+            </a:r>
+          </a:p>
+          <a:p>
+            <a:pPr algn="ctr"/>
+            <a:r>
+              <a:rPr lang="en-US" sz="1050" b="1" dirty="0">
+                <a:solidFill>
+                  <a:srgbClr val="0070C0"/>
+                </a:solidFill>
+              </a:rPr>
+              <a:t>Command</a:t>
+            </a:r>
+            <a:endParaRPr lang="en-SG" sz="1050" b="1" dirty="0">
+              <a:solidFill>
+                <a:srgbClr val="0070C0"/>
+              </a:solidFill>
+            </a:endParaRPr>
+          </a:p>
+        </p:txBody>
+      </p:sp>
+      <p:cxnSp>
+        <p:nvCxnSpPr>
+          <p:cNvPr id="7" name="Elbow Connector 89">
+            <a:extLst>
+              <a:ext uri="{FF2B5EF4-FFF2-40B4-BE49-F238E27FC236}">
+                <a16:creationId xmlns:a16="http://schemas.microsoft.com/office/drawing/2014/main" id="{8704B036-E101-415C-9240-7F717C96D7DC}"/>
+              </a:ext>
+            </a:extLst>
+          </p:cNvPr>
+          <p:cNvCxnSpPr>
+            <a:stCxn id="4" idx="2"/>
+            <a:endCxn id="6" idx="0"/>
+          </p:cNvCxnSpPr>
+          <p:nvPr/>
+        </p:nvCxnSpPr>
+        <p:spPr>
+          <a:xfrm rot="5400000">
+            <a:off x="5625476" y="2343852"/>
+            <a:ext cx="341495" cy="1"/>
+          </a:xfrm>
+          <a:prstGeom prst="bentConnector3">
+            <a:avLst>
+              <a:gd name="adj1" fmla="val 50000"/>
+            </a:avLst>
+          </a:prstGeom>
+          <a:ln w="19050">
+            <a:headEnd type="none" w="med" len="med"/>
+            <a:tailEnd type="none" w="med" len="med"/>
+          </a:ln>
+        </p:spPr>
+        <p:style>
+          <a:lnRef idx="1">
+            <a:schemeClr val="accent1"/>
+          </a:lnRef>
+          <a:fillRef idx="0">
+            <a:schemeClr val="accent1"/>
+          </a:fillRef>
+          <a:effectRef idx="0">
+            <a:schemeClr val="accent1"/>
+          </a:effectRef>
+          <a:fontRef idx="minor">
+            <a:schemeClr val="tx1"/>
+          </a:fontRef>
+        </p:style>
+      </p:cxnSp>
+      <p:sp>
+        <p:nvSpPr>
+          <p:cNvPr id="8" name="Isosceles Triangle 102">
+            <a:extLst>
+              <a:ext uri="{FF2B5EF4-FFF2-40B4-BE49-F238E27FC236}">
+                <a16:creationId xmlns:a16="http://schemas.microsoft.com/office/drawing/2014/main" id="{5E2A353F-715A-458E-A51A-E3654E4F73CF}"/>
+              </a:ext>
+            </a:extLst>
+          </p:cNvPr>
+          <p:cNvSpPr/>
+          <p:nvPr/>
+        </p:nvSpPr>
+        <p:spPr>
+          <a:xfrm rot="10800000" flipV="1">
+            <a:off x="5660969" y="2173104"/>
+            <a:ext cx="270504" cy="175523"/>
+          </a:xfrm>
+          <a:prstGeom prst="triangle">
+            <a:avLst/>
+          </a:prstGeom>
+          <a:solidFill>
+            <a:schemeClr val="tx2">
+              <a:lumMod val="60000"/>
+              <a:lumOff val="40000"/>
+            </a:schemeClr>
+          </a:solidFill>
+          <a:ln w="19050">
+            <a:solidFill>
+              <a:srgbClr val="0070C0"/>
+            </a:solidFill>
+          </a:ln>
+          <a:effectLst/>
+        </p:spPr>
+        <p:style>
+          <a:lnRef idx="1">
+            <a:schemeClr val="accent1"/>
+          </a:lnRef>
+          <a:fillRef idx="2">
+            <a:schemeClr val="accent1"/>
+          </a:fillRef>
+          <a:effectRef idx="1">
+            <a:schemeClr val="accent1"/>
+          </a:effectRef>
+          <a:fontRef idx="minor">
+            <a:schemeClr val="dk1"/>
+          </a:fontRef>
+        </p:style>
+        <p:txBody>
+          <a:bodyPr rtlCol="0" anchor="ctr"/>
+          <a:lstStyle/>
+          <a:p>
+            <a:pPr algn="ctr"/>
+            <a:endParaRPr lang="en-SG" sz="1050" b="1">
+              <a:solidFill>
+                <a:srgbClr val="92D050"/>
+              </a:solidFill>
+            </a:endParaRPr>
+          </a:p>
+        </p:txBody>
+      </p:sp>
+      <p:sp>
+        <p:nvSpPr>
+          <p:cNvPr id="9" name="Rectangle 11">
+            <a:extLst>
+              <a:ext uri="{FF2B5EF4-FFF2-40B4-BE49-F238E27FC236}">
+                <a16:creationId xmlns:a16="http://schemas.microsoft.com/office/drawing/2014/main" id="{4FE5F47A-2C2F-4CDF-B5C8-2DC53ECDB77E}"/>
+              </a:ext>
+            </a:extLst>
+          </p:cNvPr>
+          <p:cNvSpPr/>
+          <p:nvPr/>
+        </p:nvSpPr>
+        <p:spPr>
+          <a:xfrm flipH="1">
+            <a:off x="7239000" y="2997128"/>
+            <a:ext cx="1295399" cy="359669"/>
+          </a:xfrm>
+          <a:prstGeom prst="rect">
+            <a:avLst/>
+          </a:prstGeom>
+          <a:ln w="19050">
+            <a:solidFill>
+              <a:srgbClr val="0070C0"/>
+            </a:solidFill>
+          </a:ln>
+          <a:effectLst/>
+        </p:spPr>
+        <p:style>
+          <a:lnRef idx="1">
+            <a:schemeClr val="accent1"/>
+          </a:lnRef>
+          <a:fillRef idx="2">
+            <a:schemeClr val="accent1"/>
+          </a:fillRef>
+          <a:effectRef idx="1">
+            <a:schemeClr val="accent1"/>
+          </a:effectRef>
+          <a:fontRef idx="minor">
+            <a:schemeClr val="dk1"/>
+          </a:fontRef>
+        </p:style>
+        <p:txBody>
+          <a:bodyPr rtlCol="0" anchor="ctr"/>
+          <a:lstStyle/>
+          <a:p>
+            <a:pPr algn="ctr"/>
+            <a:r>
+              <a:rPr lang="en-US" sz="1050" b="1" dirty="0" err="1">
+                <a:solidFill>
+                  <a:srgbClr val="0070C0"/>
+                </a:solidFill>
+              </a:rPr>
+              <a:t>AddCommand</a:t>
+            </a:r>
+            <a:endParaRPr lang="en-US" sz="1050" b="1" dirty="0">
+              <a:solidFill>
+                <a:srgbClr val="0070C0"/>
+              </a:solidFill>
+            </a:endParaRPr>
+          </a:p>
+        </p:txBody>
+      </p:sp>
+      <p:sp>
+        <p:nvSpPr>
+          <p:cNvPr id="10" name="Rectangle 11">
+            <a:extLst>
+              <a:ext uri="{FF2B5EF4-FFF2-40B4-BE49-F238E27FC236}">
+                <a16:creationId xmlns:a16="http://schemas.microsoft.com/office/drawing/2014/main" id="{8D633368-F060-45BC-89D6-7D322D9FC920}"/>
+              </a:ext>
+            </a:extLst>
+          </p:cNvPr>
+          <p:cNvSpPr/>
+          <p:nvPr/>
+        </p:nvSpPr>
+        <p:spPr>
+          <a:xfrm flipH="1">
+            <a:off x="7239000" y="3431436"/>
+            <a:ext cx="1295400" cy="359669"/>
+          </a:xfrm>
+          <a:prstGeom prst="rect">
+            <a:avLst/>
+          </a:prstGeom>
+          <a:ln w="19050">
+            <a:solidFill>
+              <a:srgbClr val="0070C0"/>
+            </a:solidFill>
+          </a:ln>
+          <a:effectLst/>
+        </p:spPr>
+        <p:style>
+          <a:lnRef idx="1">
+            <a:schemeClr val="accent1"/>
+          </a:lnRef>
+          <a:fillRef idx="2">
+            <a:schemeClr val="accent1"/>
+          </a:fillRef>
+          <a:effectRef idx="1">
+            <a:schemeClr val="accent1"/>
+          </a:effectRef>
+          <a:fontRef idx="minor">
+            <a:schemeClr val="dk1"/>
+          </a:fontRef>
+        </p:style>
+        <p:txBody>
+          <a:bodyPr rtlCol="0" anchor="ctr"/>
+          <a:lstStyle/>
+          <a:p>
+            <a:pPr algn="ctr"/>
+            <a:r>
+              <a:rPr lang="en-US" sz="1050" b="1" dirty="0" err="1">
+                <a:solidFill>
+                  <a:srgbClr val="0070C0"/>
+                </a:solidFill>
+              </a:rPr>
+              <a:t>ScheduleCommand</a:t>
+            </a:r>
+            <a:endParaRPr lang="en-US" sz="1050" b="1" dirty="0">
+              <a:solidFill>
+                <a:srgbClr val="0070C0"/>
+              </a:solidFill>
+            </a:endParaRPr>
+          </a:p>
+        </p:txBody>
+      </p:sp>
+      <p:sp>
+        <p:nvSpPr>
+          <p:cNvPr id="11" name="Rectangle 11">
+            <a:extLst>
+              <a:ext uri="{FF2B5EF4-FFF2-40B4-BE49-F238E27FC236}">
+                <a16:creationId xmlns:a16="http://schemas.microsoft.com/office/drawing/2014/main" id="{8D25F87C-9A9F-42A2-88BF-F1D77BF2299B}"/>
+              </a:ext>
+            </a:extLst>
+          </p:cNvPr>
+          <p:cNvSpPr/>
+          <p:nvPr/>
+        </p:nvSpPr>
+        <p:spPr>
+          <a:xfrm flipH="1">
+            <a:off x="7238999" y="3906103"/>
+            <a:ext cx="1295399" cy="359669"/>
+          </a:xfrm>
+          <a:prstGeom prst="rect">
+            <a:avLst/>
+          </a:prstGeom>
+          <a:ln w="19050">
+            <a:solidFill>
+              <a:srgbClr val="0070C0"/>
+            </a:solidFill>
+          </a:ln>
+          <a:effectLst/>
+        </p:spPr>
+        <p:style>
+          <a:lnRef idx="1">
+            <a:schemeClr val="accent1"/>
+          </a:lnRef>
+          <a:fillRef idx="2">
+            <a:schemeClr val="accent1"/>
+          </a:fillRef>
+          <a:effectRef idx="1">
+            <a:schemeClr val="accent1"/>
+          </a:effectRef>
+          <a:fontRef idx="minor">
+            <a:schemeClr val="dk1"/>
+          </a:fontRef>
+        </p:style>
+        <p:txBody>
+          <a:bodyPr rtlCol="0" anchor="ctr"/>
+          <a:lstStyle/>
+          <a:p>
+            <a:pPr algn="ctr"/>
+            <a:r>
+              <a:rPr lang="mr-IN" sz="1050" b="1" dirty="0">
+                <a:solidFill>
+                  <a:srgbClr val="0070C0"/>
+                </a:solidFill>
+              </a:rPr>
+              <a:t>…</a:t>
+            </a:r>
+            <a:endParaRPr lang="en-US" sz="1050" b="1" dirty="0">
+              <a:solidFill>
+                <a:srgbClr val="0070C0"/>
+              </a:solidFill>
+            </a:endParaRPr>
+          </a:p>
+        </p:txBody>
+      </p:sp>
+      <p:cxnSp>
+        <p:nvCxnSpPr>
+          <p:cNvPr id="12" name="Elbow Connector 128">
+            <a:extLst>
+              <a:ext uri="{FF2B5EF4-FFF2-40B4-BE49-F238E27FC236}">
+                <a16:creationId xmlns:a16="http://schemas.microsoft.com/office/drawing/2014/main" id="{462F8AE6-7A4E-4F35-8223-323B6A7CBEB8}"/>
+              </a:ext>
+            </a:extLst>
+          </p:cNvPr>
+          <p:cNvCxnSpPr>
+            <a:cxnSpLocks/>
+            <a:stCxn id="6" idx="3"/>
+            <a:endCxn id="11" idx="3"/>
+          </p:cNvCxnSpPr>
+          <p:nvPr/>
+        </p:nvCxnSpPr>
+        <p:spPr>
+          <a:xfrm>
+            <a:off x="6182243" y="2769430"/>
+            <a:ext cx="1056756" cy="1316508"/>
+          </a:xfrm>
+          <a:prstGeom prst="bentConnector3">
+            <a:avLst>
+              <a:gd name="adj1" fmla="val 50000"/>
+            </a:avLst>
+          </a:prstGeom>
+          <a:ln w="19050">
+            <a:headEnd type="none" w="med" len="med"/>
+            <a:tailEnd type="none" w="med" len="med"/>
+          </a:ln>
+        </p:spPr>
+        <p:style>
+          <a:lnRef idx="1">
+            <a:schemeClr val="accent1"/>
+          </a:lnRef>
+          <a:fillRef idx="0">
+            <a:schemeClr val="accent1"/>
+          </a:fillRef>
+          <a:effectRef idx="0">
+            <a:schemeClr val="accent1"/>
+          </a:effectRef>
+          <a:fontRef idx="minor">
+            <a:schemeClr val="tx1"/>
+          </a:fontRef>
+        </p:style>
+      </p:cxnSp>
+      <p:cxnSp>
+        <p:nvCxnSpPr>
+          <p:cNvPr id="13" name="Elbow Connector 130">
+            <a:extLst>
+              <a:ext uri="{FF2B5EF4-FFF2-40B4-BE49-F238E27FC236}">
+                <a16:creationId xmlns:a16="http://schemas.microsoft.com/office/drawing/2014/main" id="{499D8D00-BD05-4D5C-8FB6-03797BC5325B}"/>
+              </a:ext>
+            </a:extLst>
+          </p:cNvPr>
+          <p:cNvCxnSpPr>
+            <a:cxnSpLocks/>
+            <a:stCxn id="6" idx="3"/>
+            <a:endCxn id="10" idx="3"/>
+          </p:cNvCxnSpPr>
+          <p:nvPr/>
+        </p:nvCxnSpPr>
+        <p:spPr>
+          <a:xfrm>
+            <a:off x="6182243" y="2769430"/>
+            <a:ext cx="1056757" cy="841841"/>
+          </a:xfrm>
+          <a:prstGeom prst="bentConnector3">
+            <a:avLst>
+              <a:gd name="adj1" fmla="val 50000"/>
+            </a:avLst>
+          </a:prstGeom>
+          <a:ln w="19050">
+            <a:headEnd type="none" w="med" len="med"/>
+            <a:tailEnd type="none" w="med" len="med"/>
+          </a:ln>
+        </p:spPr>
+        <p:style>
+          <a:lnRef idx="1">
+            <a:schemeClr val="accent1"/>
+          </a:lnRef>
+          <a:fillRef idx="0">
+            <a:schemeClr val="accent1"/>
+          </a:fillRef>
+          <a:effectRef idx="0">
+            <a:schemeClr val="accent1"/>
+          </a:effectRef>
+          <a:fontRef idx="minor">
+            <a:schemeClr val="tx1"/>
+          </a:fontRef>
+        </p:style>
+      </p:cxnSp>
+      <p:cxnSp>
+        <p:nvCxnSpPr>
+          <p:cNvPr id="14" name="Elbow Connector 133">
+            <a:extLst>
+              <a:ext uri="{FF2B5EF4-FFF2-40B4-BE49-F238E27FC236}">
+                <a16:creationId xmlns:a16="http://schemas.microsoft.com/office/drawing/2014/main" id="{C66195DB-BABE-4C94-912A-98EADA7BC608}"/>
+              </a:ext>
+            </a:extLst>
+          </p:cNvPr>
+          <p:cNvCxnSpPr>
+            <a:cxnSpLocks/>
+            <a:stCxn id="6" idx="3"/>
+            <a:endCxn id="9" idx="3"/>
+          </p:cNvCxnSpPr>
+          <p:nvPr/>
+        </p:nvCxnSpPr>
+        <p:spPr>
+          <a:xfrm>
+            <a:off x="6182243" y="2769430"/>
+            <a:ext cx="1056757" cy="407533"/>
+          </a:xfrm>
+          <a:prstGeom prst="bentConnector3">
+            <a:avLst>
+              <a:gd name="adj1" fmla="val 50000"/>
+            </a:avLst>
+          </a:prstGeom>
+          <a:ln w="19050">
+            <a:headEnd type="none" w="med" len="med"/>
+            <a:tailEnd type="none" w="med" len="med"/>
+          </a:ln>
+        </p:spPr>
+        <p:style>
+          <a:lnRef idx="1">
+            <a:schemeClr val="accent1"/>
+          </a:lnRef>
+          <a:fillRef idx="0">
+            <a:schemeClr val="accent1"/>
+          </a:fillRef>
+          <a:effectRef idx="0">
+            <a:schemeClr val="accent1"/>
+          </a:effectRef>
+          <a:fontRef idx="minor">
+            <a:schemeClr val="tx1"/>
+          </a:fontRef>
+        </p:style>
+      </p:cxnSp>
+      <p:sp>
+        <p:nvSpPr>
+          <p:cNvPr id="15" name="Isosceles Triangle 102">
+            <a:extLst>
+              <a:ext uri="{FF2B5EF4-FFF2-40B4-BE49-F238E27FC236}">
+                <a16:creationId xmlns:a16="http://schemas.microsoft.com/office/drawing/2014/main" id="{33A0EB89-6FD7-4D25-A0D9-4F53970D6962}"/>
+              </a:ext>
+            </a:extLst>
+          </p:cNvPr>
+          <p:cNvSpPr/>
+          <p:nvPr/>
+        </p:nvSpPr>
+        <p:spPr>
+          <a:xfrm rot="5400000" flipV="1">
+            <a:off x="6134752" y="2691099"/>
+            <a:ext cx="270504" cy="175523"/>
+          </a:xfrm>
+          <a:prstGeom prst="triangle">
+            <a:avLst/>
+          </a:prstGeom>
+          <a:solidFill>
+            <a:schemeClr val="tx2">
+              <a:lumMod val="60000"/>
+              <a:lumOff val="40000"/>
+            </a:schemeClr>
+          </a:solidFill>
+          <a:ln w="19050">
+            <a:solidFill>
+              <a:srgbClr val="0070C0"/>
+            </a:solidFill>
+          </a:ln>
+          <a:effectLst/>
+        </p:spPr>
+        <p:style>
+          <a:lnRef idx="1">
+            <a:schemeClr val="accent1"/>
+          </a:lnRef>
+          <a:fillRef idx="2">
+            <a:schemeClr val="accent1"/>
+          </a:fillRef>
+          <a:effectRef idx="1">
+            <a:schemeClr val="accent1"/>
+          </a:effectRef>
+          <a:fontRef idx="minor">
+            <a:schemeClr val="dk1"/>
+          </a:fontRef>
+        </p:style>
+        <p:txBody>
+          <a:bodyPr rtlCol="0" anchor="ctr"/>
+          <a:lstStyle/>
+          <a:p>
+            <a:pPr algn="ctr"/>
+            <a:endParaRPr lang="en-SG" sz="1050" b="1">
+              <a:solidFill>
+                <a:srgbClr val="92D050"/>
+              </a:solidFill>
+            </a:endParaRPr>
+          </a:p>
+        </p:txBody>
+      </p:sp>
+      <p:sp>
+        <p:nvSpPr>
+          <p:cNvPr id="16" name="Rectangle 11">
+            <a:extLst>
+              <a:ext uri="{FF2B5EF4-FFF2-40B4-BE49-F238E27FC236}">
+                <a16:creationId xmlns:a16="http://schemas.microsoft.com/office/drawing/2014/main" id="{F402B494-BB39-4636-9BDB-E57A0A614139}"/>
+              </a:ext>
+            </a:extLst>
+          </p:cNvPr>
+          <p:cNvSpPr/>
+          <p:nvPr/>
+        </p:nvSpPr>
+        <p:spPr>
+          <a:xfrm flipH="1">
+            <a:off x="3329336" y="2488769"/>
+            <a:ext cx="1175193" cy="359669"/>
+          </a:xfrm>
+          <a:prstGeom prst="rect">
+            <a:avLst/>
+          </a:prstGeom>
+          <a:ln w="19050">
+            <a:solidFill>
+              <a:srgbClr val="0070C0"/>
+            </a:solidFill>
+          </a:ln>
+          <a:effectLst/>
+        </p:spPr>
+        <p:style>
+          <a:lnRef idx="1">
+            <a:schemeClr val="accent1"/>
+          </a:lnRef>
+          <a:fillRef idx="2">
+            <a:schemeClr val="accent1"/>
+          </a:fillRef>
+          <a:effectRef idx="1">
+            <a:schemeClr val="accent1"/>
+          </a:effectRef>
+          <a:fontRef idx="minor">
+            <a:schemeClr val="dk1"/>
+          </a:fontRef>
+        </p:style>
+        <p:txBody>
+          <a:bodyPr rtlCol="0" anchor="ctr"/>
+          <a:lstStyle/>
+          <a:p>
+            <a:pPr algn="ctr"/>
+            <a:r>
+              <a:rPr lang="en-US" sz="1050" b="1">
+                <a:solidFill>
+                  <a:srgbClr val="0070C0"/>
+                </a:solidFill>
+              </a:rPr>
+              <a:t>FindCommand</a:t>
+            </a:r>
+            <a:endParaRPr lang="en-US" sz="1050" b="1" dirty="0">
+              <a:solidFill>
+                <a:srgbClr val="0070C0"/>
+              </a:solidFill>
+            </a:endParaRPr>
+          </a:p>
+        </p:txBody>
+      </p:sp>
+      <p:sp>
+        <p:nvSpPr>
+          <p:cNvPr id="17" name="Rectangle 11">
+            <a:extLst>
+              <a:ext uri="{FF2B5EF4-FFF2-40B4-BE49-F238E27FC236}">
+                <a16:creationId xmlns:a16="http://schemas.microsoft.com/office/drawing/2014/main" id="{2397661B-0141-4B44-B9D0-B138A80CBB5F}"/>
+              </a:ext>
+            </a:extLst>
+          </p:cNvPr>
+          <p:cNvSpPr/>
+          <p:nvPr/>
+        </p:nvSpPr>
+        <p:spPr>
+          <a:xfrm flipH="1">
+            <a:off x="3329336" y="2944348"/>
+            <a:ext cx="1175193" cy="359669"/>
+          </a:xfrm>
+          <a:prstGeom prst="rect">
+            <a:avLst/>
+          </a:prstGeom>
+          <a:ln w="19050">
+            <a:solidFill>
+              <a:srgbClr val="0070C0"/>
+            </a:solidFill>
+          </a:ln>
+          <a:effectLst/>
+        </p:spPr>
+        <p:style>
+          <a:lnRef idx="1">
+            <a:schemeClr val="accent1"/>
+          </a:lnRef>
+          <a:fillRef idx="2">
+            <a:schemeClr val="accent1"/>
+          </a:fillRef>
+          <a:effectRef idx="1">
+            <a:schemeClr val="accent1"/>
+          </a:effectRef>
+          <a:fontRef idx="minor">
+            <a:schemeClr val="dk1"/>
+          </a:fontRef>
+        </p:style>
+        <p:txBody>
+          <a:bodyPr rtlCol="0" anchor="ctr"/>
+          <a:lstStyle/>
+          <a:p>
+            <a:pPr algn="ctr"/>
+            <a:r>
+              <a:rPr lang="en-US" sz="1050" b="1" dirty="0" err="1">
+                <a:solidFill>
+                  <a:srgbClr val="0070C0"/>
+                </a:solidFill>
+              </a:rPr>
+              <a:t>UndoCommand</a:t>
+            </a:r>
+            <a:endParaRPr lang="en-US" sz="1050" b="1" dirty="0">
+              <a:solidFill>
+                <a:srgbClr val="0070C0"/>
+              </a:solidFill>
+            </a:endParaRPr>
+          </a:p>
+        </p:txBody>
+      </p:sp>
+      <p:cxnSp>
+        <p:nvCxnSpPr>
+          <p:cNvPr id="18" name="Elbow Connector 149">
+            <a:extLst>
+              <a:ext uri="{FF2B5EF4-FFF2-40B4-BE49-F238E27FC236}">
+                <a16:creationId xmlns:a16="http://schemas.microsoft.com/office/drawing/2014/main" id="{049A6185-FD21-4FD7-B8A1-8AA656CF6BD4}"/>
+              </a:ext>
+            </a:extLst>
+          </p:cNvPr>
+          <p:cNvCxnSpPr>
+            <a:stCxn id="4" idx="1"/>
+            <a:endCxn id="17" idx="1"/>
+          </p:cNvCxnSpPr>
+          <p:nvPr/>
+        </p:nvCxnSpPr>
+        <p:spPr>
+          <a:xfrm rot="10800000" flipV="1">
+            <a:off x="4504529" y="1999725"/>
+            <a:ext cx="905672" cy="1124458"/>
+          </a:xfrm>
+          <a:prstGeom prst="bentConnector3">
+            <a:avLst>
+              <a:gd name="adj1" fmla="val 50000"/>
+            </a:avLst>
+          </a:prstGeom>
+          <a:ln w="19050">
+            <a:headEnd type="none" w="med" len="med"/>
+            <a:tailEnd type="none" w="med" len="med"/>
+          </a:ln>
+        </p:spPr>
+        <p:style>
+          <a:lnRef idx="1">
+            <a:schemeClr val="accent1"/>
+          </a:lnRef>
+          <a:fillRef idx="0">
+            <a:schemeClr val="accent1"/>
+          </a:fillRef>
+          <a:effectRef idx="0">
+            <a:schemeClr val="accent1"/>
+          </a:effectRef>
+          <a:fontRef idx="minor">
+            <a:schemeClr val="tx1"/>
+          </a:fontRef>
+        </p:style>
+      </p:cxnSp>
+      <p:sp>
+        <p:nvSpPr>
+          <p:cNvPr id="19" name="Rectangle 11">
+            <a:extLst>
+              <a:ext uri="{FF2B5EF4-FFF2-40B4-BE49-F238E27FC236}">
+                <a16:creationId xmlns:a16="http://schemas.microsoft.com/office/drawing/2014/main" id="{436A66D5-12BE-4B9B-B94B-EB6D0F7CF691}"/>
+              </a:ext>
+            </a:extLst>
+          </p:cNvPr>
+          <p:cNvSpPr/>
+          <p:nvPr/>
+        </p:nvSpPr>
+        <p:spPr>
+          <a:xfrm flipH="1">
+            <a:off x="3328030" y="3396703"/>
+            <a:ext cx="1175194" cy="359669"/>
+          </a:xfrm>
+          <a:prstGeom prst="rect">
+            <a:avLst/>
+          </a:prstGeom>
+          <a:ln w="19050">
+            <a:solidFill>
+              <a:srgbClr val="0070C0"/>
+            </a:solidFill>
+          </a:ln>
+          <a:effectLst/>
+        </p:spPr>
+        <p:style>
+          <a:lnRef idx="1">
+            <a:schemeClr val="accent1"/>
+          </a:lnRef>
+          <a:fillRef idx="2">
+            <a:schemeClr val="accent1"/>
+          </a:fillRef>
+          <a:effectRef idx="1">
+            <a:schemeClr val="accent1"/>
+          </a:effectRef>
+          <a:fontRef idx="minor">
+            <a:schemeClr val="dk1"/>
+          </a:fontRef>
+        </p:style>
+        <p:txBody>
+          <a:bodyPr rtlCol="0" anchor="ctr"/>
+          <a:lstStyle/>
+          <a:p>
+            <a:pPr algn="ctr"/>
+            <a:r>
+              <a:rPr lang="mr-IN" sz="1050" b="1" dirty="0">
+                <a:solidFill>
+                  <a:srgbClr val="0070C0"/>
+                </a:solidFill>
+              </a:rPr>
+              <a:t>…</a:t>
+            </a:r>
+            <a:endParaRPr lang="en-US" sz="1050" b="1" dirty="0">
+              <a:solidFill>
+                <a:srgbClr val="0070C0"/>
+              </a:solidFill>
+            </a:endParaRPr>
+          </a:p>
+        </p:txBody>
+      </p:sp>
+      <p:cxnSp>
+        <p:nvCxnSpPr>
+          <p:cNvPr id="20" name="Elbow Connector 167">
+            <a:extLst>
+              <a:ext uri="{FF2B5EF4-FFF2-40B4-BE49-F238E27FC236}">
+                <a16:creationId xmlns:a16="http://schemas.microsoft.com/office/drawing/2014/main" id="{47187F1B-5C3A-492C-A351-8EB26A650EA3}"/>
+              </a:ext>
+            </a:extLst>
+          </p:cNvPr>
+          <p:cNvCxnSpPr>
+            <a:stCxn id="4" idx="1"/>
+            <a:endCxn id="19" idx="1"/>
+          </p:cNvCxnSpPr>
+          <p:nvPr/>
+        </p:nvCxnSpPr>
+        <p:spPr>
+          <a:xfrm rot="10800000" flipV="1">
+            <a:off x="4503225" y="1999724"/>
+            <a:ext cx="906977" cy="1576813"/>
+          </a:xfrm>
+          <a:prstGeom prst="bentConnector3">
+            <a:avLst>
+              <a:gd name="adj1" fmla="val 50000"/>
+            </a:avLst>
+          </a:prstGeom>
+          <a:ln w="19050">
+            <a:headEnd type="none" w="med" len="med"/>
+            <a:tailEnd type="none" w="med" len="med"/>
+          </a:ln>
+        </p:spPr>
+        <p:style>
+          <a:lnRef idx="1">
+            <a:schemeClr val="accent1"/>
+          </a:lnRef>
+          <a:fillRef idx="0">
+            <a:schemeClr val="accent1"/>
+          </a:fillRef>
+          <a:effectRef idx="0">
+            <a:schemeClr val="accent1"/>
+          </a:effectRef>
+          <a:fontRef idx="minor">
+            <a:schemeClr val="tx1"/>
+          </a:fontRef>
+        </p:style>
+      </p:cxnSp>
+      <p:sp>
+        <p:nvSpPr>
+          <p:cNvPr id="21" name="Isosceles Triangle 102">
+            <a:extLst>
+              <a:ext uri="{FF2B5EF4-FFF2-40B4-BE49-F238E27FC236}">
+                <a16:creationId xmlns:a16="http://schemas.microsoft.com/office/drawing/2014/main" id="{C6A18A47-0BF9-4EEB-8B98-EC83BC26EE37}"/>
+              </a:ext>
+            </a:extLst>
+          </p:cNvPr>
+          <p:cNvSpPr/>
+          <p:nvPr/>
+        </p:nvSpPr>
+        <p:spPr>
+          <a:xfrm rot="16200000" flipV="1">
+            <a:off x="5187187" y="1911963"/>
+            <a:ext cx="270504" cy="175523"/>
+          </a:xfrm>
+          <a:prstGeom prst="triangle">
+            <a:avLst/>
+          </a:prstGeom>
+          <a:solidFill>
+            <a:schemeClr val="tx2">
+              <a:lumMod val="60000"/>
+              <a:lumOff val="40000"/>
+            </a:schemeClr>
+          </a:solidFill>
+          <a:ln w="19050">
+            <a:solidFill>
+              <a:srgbClr val="0070C0"/>
+            </a:solidFill>
+          </a:ln>
+          <a:effectLst/>
+        </p:spPr>
+        <p:style>
+          <a:lnRef idx="1">
+            <a:schemeClr val="accent1"/>
+          </a:lnRef>
+          <a:fillRef idx="2">
+            <a:schemeClr val="accent1"/>
+          </a:fillRef>
+          <a:effectRef idx="1">
+            <a:schemeClr val="accent1"/>
+          </a:effectRef>
+          <a:fontRef idx="minor">
+            <a:schemeClr val="dk1"/>
+          </a:fontRef>
+        </p:style>
+        <p:txBody>
+          <a:bodyPr rtlCol="0" anchor="ctr"/>
+          <a:lstStyle/>
+          <a:p>
+            <a:pPr algn="ctr"/>
+            <a:endParaRPr lang="en-SG" sz="1050" b="1">
+              <a:solidFill>
+                <a:srgbClr val="92D050"/>
+              </a:solidFill>
+            </a:endParaRPr>
+          </a:p>
+        </p:txBody>
+      </p:sp>
+    </p:spTree>
+    <p:extLst>
+      <p:ext uri="{BB962C8B-B14F-4D97-AF65-F5344CB8AC3E}">
+        <p14:creationId xmlns:p14="http://schemas.microsoft.com/office/powerpoint/2010/main" val="1988435737"/>
       </p:ext>
     </p:extLst>
   </p:cSld>

--- a/docs/diagrams/LogicComponentCommandClassDiagram.pptx
+++ b/docs/diagrams/LogicComponentCommandClassDiagram.pptx
@@ -213,7 +213,7 @@
           <a:p>
             <a:fld id="{F5CC4B3F-88C1-4FFA-B1B6-F41C21DC6924}" type="datetimeFigureOut">
               <a:rPr lang="en-US" smtClean="0"/>
-              <a:t>11/12/2017</a:t>
+              <a:t>11/13/2017</a:t>
             </a:fld>
             <a:endParaRPr lang="en-US"/>
           </a:p>
@@ -659,7 +659,7 @@
           <a:p>
             <a:fld id="{78C97017-6FC3-485B-9764-EAC9E56C1D49}" type="datetimeFigureOut">
               <a:rPr lang="en-US" smtClean="0"/>
-              <a:t>11/12/2017</a:t>
+              <a:t>11/13/2017</a:t>
             </a:fld>
             <a:endParaRPr lang="en-US"/>
           </a:p>
@@ -827,7 +827,7 @@
           <a:p>
             <a:fld id="{78C97017-6FC3-485B-9764-EAC9E56C1D49}" type="datetimeFigureOut">
               <a:rPr lang="en-US" smtClean="0"/>
-              <a:t>11/12/2017</a:t>
+              <a:t>11/13/2017</a:t>
             </a:fld>
             <a:endParaRPr lang="en-US"/>
           </a:p>
@@ -1005,7 +1005,7 @@
           <a:p>
             <a:fld id="{78C97017-6FC3-485B-9764-EAC9E56C1D49}" type="datetimeFigureOut">
               <a:rPr lang="en-US" smtClean="0"/>
-              <a:t>11/12/2017</a:t>
+              <a:t>11/13/2017</a:t>
             </a:fld>
             <a:endParaRPr lang="en-US"/>
           </a:p>
@@ -1173,7 +1173,7 @@
           <a:p>
             <a:fld id="{78C97017-6FC3-485B-9764-EAC9E56C1D49}" type="datetimeFigureOut">
               <a:rPr lang="en-US" smtClean="0"/>
-              <a:t>11/12/2017</a:t>
+              <a:t>11/13/2017</a:t>
             </a:fld>
             <a:endParaRPr lang="en-US"/>
           </a:p>
@@ -1418,7 +1418,7 @@
           <a:p>
             <a:fld id="{78C97017-6FC3-485B-9764-EAC9E56C1D49}" type="datetimeFigureOut">
               <a:rPr lang="en-US" smtClean="0"/>
-              <a:t>11/12/2017</a:t>
+              <a:t>11/13/2017</a:t>
             </a:fld>
             <a:endParaRPr lang="en-US"/>
           </a:p>
@@ -1703,7 +1703,7 @@
           <a:p>
             <a:fld id="{78C97017-6FC3-485B-9764-EAC9E56C1D49}" type="datetimeFigureOut">
               <a:rPr lang="en-US" smtClean="0"/>
-              <a:t>11/12/2017</a:t>
+              <a:t>11/13/2017</a:t>
             </a:fld>
             <a:endParaRPr lang="en-US"/>
           </a:p>
@@ -2122,7 +2122,7 @@
           <a:p>
             <a:fld id="{78C97017-6FC3-485B-9764-EAC9E56C1D49}" type="datetimeFigureOut">
               <a:rPr lang="en-US" smtClean="0"/>
-              <a:t>11/12/2017</a:t>
+              <a:t>11/13/2017</a:t>
             </a:fld>
             <a:endParaRPr lang="en-US"/>
           </a:p>
@@ -2239,7 +2239,7 @@
           <a:p>
             <a:fld id="{78C97017-6FC3-485B-9764-EAC9E56C1D49}" type="datetimeFigureOut">
               <a:rPr lang="en-US" smtClean="0"/>
-              <a:t>11/12/2017</a:t>
+              <a:t>11/13/2017</a:t>
             </a:fld>
             <a:endParaRPr lang="en-US"/>
           </a:p>
@@ -2334,7 +2334,7 @@
           <a:p>
             <a:fld id="{78C97017-6FC3-485B-9764-EAC9E56C1D49}" type="datetimeFigureOut">
               <a:rPr lang="en-US" smtClean="0"/>
-              <a:t>11/12/2017</a:t>
+              <a:t>11/13/2017</a:t>
             </a:fld>
             <a:endParaRPr lang="en-US"/>
           </a:p>
@@ -2609,7 +2609,7 @@
           <a:p>
             <a:fld id="{78C97017-6FC3-485B-9764-EAC9E56C1D49}" type="datetimeFigureOut">
               <a:rPr lang="en-US" smtClean="0"/>
-              <a:t>11/12/2017</a:t>
+              <a:t>11/13/2017</a:t>
             </a:fld>
             <a:endParaRPr lang="en-US"/>
           </a:p>
@@ -2861,7 +2861,7 @@
           <a:p>
             <a:fld id="{78C97017-6FC3-485B-9764-EAC9E56C1D49}" type="datetimeFigureOut">
               <a:rPr lang="en-US" smtClean="0"/>
-              <a:t>11/12/2017</a:t>
+              <a:t>11/13/2017</a:t>
             </a:fld>
             <a:endParaRPr lang="en-US"/>
           </a:p>
@@ -3072,7 +3072,7 @@
           <a:p>
             <a:fld id="{78C97017-6FC3-485B-9764-EAC9E56C1D49}" type="datetimeFigureOut">
               <a:rPr lang="en-US" smtClean="0"/>
-              <a:t>11/12/2017</a:t>
+              <a:t>11/13/2017</a:t>
             </a:fld>
             <a:endParaRPr lang="en-US"/>
           </a:p>
@@ -3455,7 +3455,7 @@
         </p:nvSpPr>
         <p:spPr>
           <a:xfrm>
-            <a:off x="831983" y="1961662"/>
+            <a:off x="483159" y="2433537"/>
             <a:ext cx="1311779" cy="2076938"/>
           </a:xfrm>
           <a:prstGeom prst="roundRect">
@@ -3508,8 +3508,8 @@
         </p:nvSpPr>
         <p:spPr>
           <a:xfrm>
-            <a:off x="3124200" y="1600200"/>
-            <a:ext cx="5486400" cy="2819400"/>
+            <a:off x="2895600" y="457200"/>
+            <a:ext cx="5486400" cy="6019800"/>
           </a:xfrm>
           <a:prstGeom prst="roundRect">
             <a:avLst>
@@ -3569,7 +3569,7 @@
         </p:nvSpPr>
         <p:spPr>
           <a:xfrm>
-            <a:off x="5410201" y="1826345"/>
+            <a:off x="5181601" y="683345"/>
             <a:ext cx="772043" cy="346760"/>
           </a:xfrm>
           <a:prstGeom prst="rect">
@@ -3632,45 +3632,6 @@
           </a:p>
         </p:txBody>
       </p:sp>
-      <p:cxnSp>
-        <p:nvCxnSpPr>
-          <p:cNvPr id="96" name="Elbow Connector 95"/>
-          <p:cNvCxnSpPr>
-            <a:stCxn id="12" idx="1"/>
-            <a:endCxn id="144" idx="1"/>
-          </p:cNvCxnSpPr>
-          <p:nvPr/>
-        </p:nvCxnSpPr>
-        <p:spPr>
-          <a:xfrm rot="10800000" flipV="1">
-            <a:off x="4504529" y="1999724"/>
-            <a:ext cx="905672" cy="668879"/>
-          </a:xfrm>
-          <a:prstGeom prst="bentConnector3">
-            <a:avLst>
-              <a:gd name="adj1" fmla="val 50000"/>
-            </a:avLst>
-          </a:prstGeom>
-          <a:ln w="19050">
-            <a:headEnd type="none" w="med" len="med"/>
-            <a:tailEnd type="none" w="med" len="med"/>
-          </a:ln>
-        </p:spPr>
-        <p:style>
-          <a:lnRef idx="1">
-            <a:schemeClr val="accent1"/>
-          </a:lnRef>
-          <a:fillRef idx="0">
-            <a:schemeClr val="accent1"/>
-          </a:fillRef>
-          <a:effectRef idx="0">
-            <a:schemeClr val="accent1"/>
-          </a:effectRef>
-          <a:fontRef idx="minor">
-            <a:schemeClr val="tx1"/>
-          </a:fontRef>
-        </p:style>
-      </p:cxnSp>
       <p:sp>
         <p:nvSpPr>
           <p:cNvPr id="76" name="Rectangle 62"/>
@@ -3679,7 +3640,7 @@
         </p:nvSpPr>
         <p:spPr>
           <a:xfrm>
-            <a:off x="5410200" y="2514600"/>
+            <a:off x="5181600" y="1371600"/>
             <a:ext cx="772043" cy="509659"/>
           </a:xfrm>
           <a:prstGeom prst="rect">
@@ -3764,7 +3725,7 @@
         </p:nvCxnSpPr>
         <p:spPr>
           <a:xfrm rot="5400000">
-            <a:off x="5625476" y="2343852"/>
+            <a:off x="5396876" y="1200852"/>
             <a:ext cx="341495" cy="1"/>
           </a:xfrm>
           <a:prstGeom prst="bentConnector3">
@@ -3800,7 +3761,7 @@
         </p:nvSpPr>
         <p:spPr>
           <a:xfrm rot="10800000" flipV="1">
-            <a:off x="5660969" y="2173104"/>
+            <a:off x="5432369" y="1030104"/>
             <a:ext cx="270504" cy="175523"/>
           </a:xfrm>
           <a:prstGeom prst="triangle">
@@ -3854,7 +3815,7 @@
         </p:nvSpPr>
         <p:spPr>
           <a:xfrm flipH="1">
-            <a:off x="7239001" y="2997128"/>
+            <a:off x="7010401" y="1854128"/>
             <a:ext cx="1175193" cy="359669"/>
           </a:xfrm>
           <a:prstGeom prst="rect">
@@ -3892,7 +3853,7 @@
                   <a:srgbClr val="0070C0"/>
                 </a:solidFill>
               </a:rPr>
-              <a:t>AddCommand</a:t>
+              <a:t>EditCommand</a:t>
             </a:r>
             <a:endParaRPr lang="en-US" sz="1050" b="1" dirty="0">
               <a:solidFill>
@@ -3910,7 +3871,7 @@
         </p:nvSpPr>
         <p:spPr>
           <a:xfrm flipH="1">
-            <a:off x="7239000" y="3431436"/>
+            <a:off x="7010400" y="2288436"/>
             <a:ext cx="1175194" cy="359669"/>
           </a:xfrm>
           <a:prstGeom prst="rect">
@@ -3948,7 +3909,7 @@
                   <a:srgbClr val="0070C0"/>
                 </a:solidFill>
               </a:rPr>
-              <a:t>ClearCommand</a:t>
+              <a:t>DeleteCommand</a:t>
             </a:r>
             <a:endParaRPr lang="en-US" sz="1050" b="1" dirty="0">
               <a:solidFill>
@@ -3966,7 +3927,7 @@
         </p:nvSpPr>
         <p:spPr>
           <a:xfrm flipH="1">
-            <a:off x="7239000" y="3906103"/>
+            <a:off x="7010400" y="2763103"/>
             <a:ext cx="1175194" cy="359669"/>
           </a:xfrm>
           <a:prstGeom prst="rect">
@@ -3999,12 +3960,12 @@
           <a:p>
             <a:pPr algn="ctr"/>
             <a:r>
-              <a:rPr lang="mr-IN" sz="1050" b="1" dirty="0">
+              <a:rPr lang="en-SG" sz="1050" b="1" dirty="0" err="1">
                 <a:solidFill>
                   <a:srgbClr val="0070C0"/>
                 </a:solidFill>
               </a:rPr>
-              <a:t>…</a:t>
+              <a:t>AddCommand</a:t>
             </a:r>
             <a:endParaRPr lang="en-US" sz="1050" b="1" dirty="0">
               <a:solidFill>
@@ -4025,7 +3986,7 @@
         </p:nvCxnSpPr>
         <p:spPr>
           <a:xfrm>
-            <a:off x="6182243" y="2769430"/>
+            <a:off x="5953643" y="1626430"/>
             <a:ext cx="1056757" cy="1316508"/>
           </a:xfrm>
           <a:prstGeom prst="bentConnector3">
@@ -4064,7 +4025,7 @@
         </p:nvCxnSpPr>
         <p:spPr>
           <a:xfrm>
-            <a:off x="6182243" y="2769430"/>
+            <a:off x="5953643" y="1626430"/>
             <a:ext cx="1056757" cy="841841"/>
           </a:xfrm>
           <a:prstGeom prst="bentConnector3">
@@ -4103,7 +4064,7 @@
         </p:nvCxnSpPr>
         <p:spPr>
           <a:xfrm>
-            <a:off x="6182243" y="2769430"/>
+            <a:off x="5953643" y="1626430"/>
             <a:ext cx="1056758" cy="407533"/>
           </a:xfrm>
           <a:prstGeom prst="bentConnector3">
@@ -4139,7 +4100,7 @@
         </p:nvSpPr>
         <p:spPr>
           <a:xfrm rot="5400000" flipV="1">
-            <a:off x="6134752" y="2691099"/>
+            <a:off x="5906152" y="1548099"/>
             <a:ext cx="270504" cy="175523"/>
           </a:xfrm>
           <a:prstGeom prst="triangle">
@@ -4193,7 +4154,7 @@
         </p:nvSpPr>
         <p:spPr>
           <a:xfrm flipH="1">
-            <a:off x="3329336" y="2488769"/>
+            <a:off x="3111167" y="797667"/>
             <a:ext cx="1175193" cy="359669"/>
           </a:xfrm>
           <a:prstGeom prst="rect">
@@ -4226,12 +4187,12 @@
           <a:p>
             <a:pPr algn="ctr"/>
             <a:r>
-              <a:rPr lang="en-US" sz="1050" b="1">
+              <a:rPr lang="en-US" sz="1050" b="1" dirty="0" err="1">
                 <a:solidFill>
                   <a:srgbClr val="0070C0"/>
                 </a:solidFill>
               </a:rPr>
-              <a:t>FindCommand</a:t>
+              <a:t>ExitCommand</a:t>
             </a:r>
             <a:endParaRPr lang="en-US" sz="1050" b="1" dirty="0">
               <a:solidFill>
@@ -4249,7 +4210,7 @@
         </p:nvSpPr>
         <p:spPr>
           <a:xfrm flipH="1">
-            <a:off x="3329336" y="2944348"/>
+            <a:off x="3111167" y="1253246"/>
             <a:ext cx="1175193" cy="359669"/>
           </a:xfrm>
           <a:prstGeom prst="rect">
@@ -4287,7 +4248,7 @@
                   <a:srgbClr val="0070C0"/>
                 </a:solidFill>
               </a:rPr>
-              <a:t>UndoCommand</a:t>
+              <a:t>LocateCommand</a:t>
             </a:r>
             <a:endParaRPr lang="en-US" sz="1050" b="1" dirty="0">
               <a:solidFill>
@@ -4299,17 +4260,17 @@
       </p:sp>
       <p:cxnSp>
         <p:nvCxnSpPr>
-          <p:cNvPr id="150" name="Elbow Connector 149"/>
+          <p:cNvPr id="168" name="Elbow Connector 167"/>
           <p:cNvCxnSpPr>
+            <a:cxnSpLocks/>
             <a:stCxn id="12" idx="1"/>
-            <a:endCxn id="145" idx="1"/>
           </p:cNvCxnSpPr>
           <p:nvPr/>
         </p:nvCxnSpPr>
         <p:spPr>
           <a:xfrm rot="10800000" flipV="1">
-            <a:off x="4504529" y="1999725"/>
-            <a:ext cx="905672" cy="1124458"/>
+            <a:off x="4274625" y="856724"/>
+            <a:ext cx="906977" cy="1576813"/>
           </a:xfrm>
           <a:prstGeom prst="bentConnector3">
             <a:avLst>
@@ -4338,108 +4299,13 @@
       </p:cxnSp>
       <p:sp>
         <p:nvSpPr>
-          <p:cNvPr id="167" name="Rectangle 11"/>
-          <p:cNvSpPr/>
-          <p:nvPr/>
-        </p:nvSpPr>
-        <p:spPr>
-          <a:xfrm flipH="1">
-            <a:off x="3328030" y="3396703"/>
-            <a:ext cx="1175194" cy="359669"/>
-          </a:xfrm>
-          <a:prstGeom prst="rect">
-            <a:avLst/>
-          </a:prstGeom>
-          <a:ln w="19050">
-            <a:solidFill>
-              <a:srgbClr val="0070C0"/>
-            </a:solidFill>
-          </a:ln>
-          <a:effectLst/>
-        </p:spPr>
-        <p:style>
-          <a:lnRef idx="1">
-            <a:schemeClr val="accent1"/>
-          </a:lnRef>
-          <a:fillRef idx="2">
-            <a:schemeClr val="accent1"/>
-          </a:fillRef>
-          <a:effectRef idx="1">
-            <a:schemeClr val="accent1"/>
-          </a:effectRef>
-          <a:fontRef idx="minor">
-            <a:schemeClr val="dk1"/>
-          </a:fontRef>
-        </p:style>
-        <p:txBody>
-          <a:bodyPr rtlCol="0" anchor="ctr"/>
-          <a:lstStyle/>
-          <a:p>
-            <a:pPr algn="ctr"/>
-            <a:r>
-              <a:rPr lang="mr-IN" sz="1050" b="1" dirty="0">
-                <a:solidFill>
-                  <a:srgbClr val="0070C0"/>
-                </a:solidFill>
-              </a:rPr>
-              <a:t>…</a:t>
-            </a:r>
-            <a:endParaRPr lang="en-US" sz="1050" b="1" dirty="0">
-              <a:solidFill>
-                <a:srgbClr val="0070C0"/>
-              </a:solidFill>
-            </a:endParaRPr>
-          </a:p>
-        </p:txBody>
-      </p:sp>
-      <p:cxnSp>
-        <p:nvCxnSpPr>
-          <p:cNvPr id="168" name="Elbow Connector 167"/>
-          <p:cNvCxnSpPr>
-            <a:stCxn id="12" idx="1"/>
-            <a:endCxn id="167" idx="1"/>
-          </p:cNvCxnSpPr>
-          <p:nvPr/>
-        </p:nvCxnSpPr>
-        <p:spPr>
-          <a:xfrm rot="10800000" flipV="1">
-            <a:off x="4503225" y="1999724"/>
-            <a:ext cx="906977" cy="1576813"/>
-          </a:xfrm>
-          <a:prstGeom prst="bentConnector3">
-            <a:avLst>
-              <a:gd name="adj1" fmla="val 50000"/>
-            </a:avLst>
-          </a:prstGeom>
-          <a:ln w="19050">
-            <a:headEnd type="none" w="med" len="med"/>
-            <a:tailEnd type="none" w="med" len="med"/>
-          </a:ln>
-        </p:spPr>
-        <p:style>
-          <a:lnRef idx="1">
-            <a:schemeClr val="accent1"/>
-          </a:lnRef>
-          <a:fillRef idx="0">
-            <a:schemeClr val="accent1"/>
-          </a:fillRef>
-          <a:effectRef idx="0">
-            <a:schemeClr val="accent1"/>
-          </a:effectRef>
-          <a:fontRef idx="minor">
-            <a:schemeClr val="tx1"/>
-          </a:fontRef>
-        </p:style>
-      </p:cxnSp>
-      <p:sp>
-        <p:nvSpPr>
           <p:cNvPr id="87" name="Isosceles Triangle 102"/>
           <p:cNvSpPr/>
           <p:nvPr/>
         </p:nvSpPr>
         <p:spPr>
           <a:xfrm rot="16200000" flipV="1">
-            <a:off x="5187187" y="1911963"/>
+            <a:off x="4958587" y="768963"/>
             <a:ext cx="270504" cy="175523"/>
           </a:xfrm>
           <a:prstGeom prst="triangle">
@@ -4493,7 +4359,7 @@
         </p:nvSpPr>
         <p:spPr>
           <a:xfrm flipH="1">
-            <a:off x="1003252" y="2120502"/>
+            <a:off x="654428" y="2592377"/>
             <a:ext cx="970326" cy="346760"/>
           </a:xfrm>
           <a:prstGeom prst="rect">
@@ -4549,7 +4415,7 @@
         </p:nvSpPr>
         <p:spPr>
           <a:xfrm>
-            <a:off x="1101850" y="3529390"/>
+            <a:off x="753026" y="4001265"/>
             <a:ext cx="772043" cy="346760"/>
           </a:xfrm>
           <a:prstGeom prst="rect">
@@ -4620,7 +4486,7 @@
         </p:nvSpPr>
         <p:spPr>
           <a:xfrm flipV="1">
-            <a:off x="1352621" y="3360825"/>
+            <a:off x="1003797" y="3832700"/>
             <a:ext cx="270504" cy="175523"/>
           </a:xfrm>
           <a:prstGeom prst="triangle">
@@ -4676,7 +4542,7 @@
         </p:nvCxnSpPr>
         <p:spPr>
           <a:xfrm rot="5400000" flipH="1" flipV="1">
-            <a:off x="1041363" y="2913773"/>
+            <a:off x="692539" y="3385648"/>
             <a:ext cx="893563" cy="542"/>
           </a:xfrm>
           <a:prstGeom prst="bentConnector3">
@@ -4708,15 +4574,16 @@
         <p:nvCxnSpPr>
           <p:cNvPr id="30" name="Elbow Connector 25"/>
           <p:cNvCxnSpPr>
+            <a:cxnSpLocks/>
             <a:stCxn id="2" idx="1"/>
             <a:endCxn id="25" idx="3"/>
           </p:cNvCxnSpPr>
           <p:nvPr/>
         </p:nvCxnSpPr>
         <p:spPr>
-          <a:xfrm flipH="1" flipV="1">
-            <a:off x="2143762" y="3000131"/>
-            <a:ext cx="980438" cy="9769"/>
+          <a:xfrm flipH="1">
+            <a:off x="1794938" y="3467100"/>
+            <a:ext cx="1100662" cy="4906"/>
           </a:xfrm>
           <a:prstGeom prst="straightConnector1">
             <a:avLst/>
@@ -4728,6 +4595,1325 @@
             <a:headEnd type="triangle" w="med" len="med"/>
             <a:tailEnd type="none" w="med" len="med"/>
           </a:ln>
+        </p:spPr>
+        <p:style>
+          <a:lnRef idx="1">
+            <a:schemeClr val="accent1"/>
+          </a:lnRef>
+          <a:fillRef idx="0">
+            <a:schemeClr val="accent1"/>
+          </a:fillRef>
+          <a:effectRef idx="0">
+            <a:schemeClr val="accent1"/>
+          </a:effectRef>
+          <a:fontRef idx="minor">
+            <a:schemeClr val="tx1"/>
+          </a:fontRef>
+        </p:style>
+      </p:cxnSp>
+      <p:sp>
+        <p:nvSpPr>
+          <p:cNvPr id="27" name="Rectangle 11">
+            <a:extLst>
+              <a:ext uri="{FF2B5EF4-FFF2-40B4-BE49-F238E27FC236}">
+                <a16:creationId xmlns:a16="http://schemas.microsoft.com/office/drawing/2014/main" id="{29D3C67D-9558-48C8-9FF1-DA6EEA46165B}"/>
+              </a:ext>
+            </a:extLst>
+          </p:cNvPr>
+          <p:cNvSpPr/>
+          <p:nvPr/>
+        </p:nvSpPr>
+        <p:spPr>
+          <a:xfrm flipH="1">
+            <a:off x="3099482" y="1712665"/>
+            <a:ext cx="1175193" cy="359669"/>
+          </a:xfrm>
+          <a:prstGeom prst="rect">
+            <a:avLst/>
+          </a:prstGeom>
+          <a:ln w="19050">
+            <a:solidFill>
+              <a:srgbClr val="0070C0"/>
+            </a:solidFill>
+          </a:ln>
+          <a:effectLst/>
+        </p:spPr>
+        <p:style>
+          <a:lnRef idx="1">
+            <a:schemeClr val="accent1"/>
+          </a:lnRef>
+          <a:fillRef idx="2">
+            <a:schemeClr val="accent1"/>
+          </a:fillRef>
+          <a:effectRef idx="1">
+            <a:schemeClr val="accent1"/>
+          </a:effectRef>
+          <a:fontRef idx="minor">
+            <a:schemeClr val="dk1"/>
+          </a:fontRef>
+        </p:style>
+        <p:txBody>
+          <a:bodyPr rtlCol="0" anchor="ctr"/>
+          <a:lstStyle/>
+          <a:p>
+            <a:pPr algn="ctr"/>
+            <a:r>
+              <a:rPr lang="en-US" sz="1050" b="1">
+                <a:solidFill>
+                  <a:srgbClr val="0070C0"/>
+                </a:solidFill>
+              </a:rPr>
+              <a:t>FindCommand</a:t>
+            </a:r>
+            <a:endParaRPr lang="en-US" sz="1050" b="1" dirty="0">
+              <a:solidFill>
+                <a:srgbClr val="0070C0"/>
+              </a:solidFill>
+            </a:endParaRPr>
+          </a:p>
+        </p:txBody>
+      </p:sp>
+      <p:sp>
+        <p:nvSpPr>
+          <p:cNvPr id="28" name="Rectangle 11">
+            <a:extLst>
+              <a:ext uri="{FF2B5EF4-FFF2-40B4-BE49-F238E27FC236}">
+                <a16:creationId xmlns:a16="http://schemas.microsoft.com/office/drawing/2014/main" id="{A71495F6-B6AA-4BE6-B6F3-BB82DFC5A139}"/>
+              </a:ext>
+            </a:extLst>
+          </p:cNvPr>
+          <p:cNvSpPr/>
+          <p:nvPr/>
+        </p:nvSpPr>
+        <p:spPr>
+          <a:xfrm flipH="1">
+            <a:off x="3099482" y="2167663"/>
+            <a:ext cx="1175193" cy="359669"/>
+          </a:xfrm>
+          <a:prstGeom prst="rect">
+            <a:avLst/>
+          </a:prstGeom>
+          <a:ln w="19050">
+            <a:solidFill>
+              <a:srgbClr val="0070C0"/>
+            </a:solidFill>
+          </a:ln>
+          <a:effectLst/>
+        </p:spPr>
+        <p:style>
+          <a:lnRef idx="1">
+            <a:schemeClr val="accent1"/>
+          </a:lnRef>
+          <a:fillRef idx="2">
+            <a:schemeClr val="accent1"/>
+          </a:fillRef>
+          <a:effectRef idx="1">
+            <a:schemeClr val="accent1"/>
+          </a:effectRef>
+          <a:fontRef idx="minor">
+            <a:schemeClr val="dk1"/>
+          </a:fontRef>
+        </p:style>
+        <p:txBody>
+          <a:bodyPr rtlCol="0" anchor="ctr"/>
+          <a:lstStyle/>
+          <a:p>
+            <a:pPr algn="ctr"/>
+            <a:r>
+              <a:rPr lang="en-US" sz="1050" b="1" dirty="0" err="1">
+                <a:solidFill>
+                  <a:srgbClr val="0070C0"/>
+                </a:solidFill>
+              </a:rPr>
+              <a:t>UndoCommand</a:t>
+            </a:r>
+            <a:endParaRPr lang="en-US" sz="1050" b="1" dirty="0">
+              <a:solidFill>
+                <a:srgbClr val="0070C0"/>
+              </a:solidFill>
+            </a:endParaRPr>
+          </a:p>
+        </p:txBody>
+      </p:sp>
+      <p:sp>
+        <p:nvSpPr>
+          <p:cNvPr id="29" name="Rectangle 11">
+            <a:extLst>
+              <a:ext uri="{FF2B5EF4-FFF2-40B4-BE49-F238E27FC236}">
+                <a16:creationId xmlns:a16="http://schemas.microsoft.com/office/drawing/2014/main" id="{44D7B0B7-E6CB-4C87-8DA4-BCCEDD6E36CA}"/>
+              </a:ext>
+            </a:extLst>
+          </p:cNvPr>
+          <p:cNvSpPr/>
+          <p:nvPr/>
+        </p:nvSpPr>
+        <p:spPr>
+          <a:xfrm flipH="1">
+            <a:off x="3099482" y="2623242"/>
+            <a:ext cx="1175193" cy="359669"/>
+          </a:xfrm>
+          <a:prstGeom prst="rect">
+            <a:avLst/>
+          </a:prstGeom>
+          <a:ln w="19050">
+            <a:solidFill>
+              <a:srgbClr val="0070C0"/>
+            </a:solidFill>
+          </a:ln>
+          <a:effectLst/>
+        </p:spPr>
+        <p:style>
+          <a:lnRef idx="1">
+            <a:schemeClr val="accent1"/>
+          </a:lnRef>
+          <a:fillRef idx="2">
+            <a:schemeClr val="accent1"/>
+          </a:fillRef>
+          <a:effectRef idx="1">
+            <a:schemeClr val="accent1"/>
+          </a:effectRef>
+          <a:fontRef idx="minor">
+            <a:schemeClr val="dk1"/>
+          </a:fontRef>
+        </p:style>
+        <p:txBody>
+          <a:bodyPr rtlCol="0" anchor="ctr"/>
+          <a:lstStyle/>
+          <a:p>
+            <a:pPr algn="ctr"/>
+            <a:r>
+              <a:rPr lang="en-US" sz="1050" b="1" dirty="0" err="1">
+                <a:solidFill>
+                  <a:srgbClr val="0070C0"/>
+                </a:solidFill>
+              </a:rPr>
+              <a:t>CopyCommand</a:t>
+            </a:r>
+            <a:endParaRPr lang="en-US" sz="1050" b="1" dirty="0">
+              <a:solidFill>
+                <a:srgbClr val="0070C0"/>
+              </a:solidFill>
+            </a:endParaRPr>
+          </a:p>
+        </p:txBody>
+      </p:sp>
+      <p:sp>
+        <p:nvSpPr>
+          <p:cNvPr id="31" name="Rectangle 11">
+            <a:extLst>
+              <a:ext uri="{FF2B5EF4-FFF2-40B4-BE49-F238E27FC236}">
+                <a16:creationId xmlns:a16="http://schemas.microsoft.com/office/drawing/2014/main" id="{4A3716D2-995B-4A0B-9836-2DD8B57291C1}"/>
+              </a:ext>
+            </a:extLst>
+          </p:cNvPr>
+          <p:cNvSpPr/>
+          <p:nvPr/>
+        </p:nvSpPr>
+        <p:spPr>
+          <a:xfrm flipH="1">
+            <a:off x="3101073" y="3109862"/>
+            <a:ext cx="1175193" cy="359669"/>
+          </a:xfrm>
+          <a:prstGeom prst="rect">
+            <a:avLst/>
+          </a:prstGeom>
+          <a:ln w="19050">
+            <a:solidFill>
+              <a:srgbClr val="0070C0"/>
+            </a:solidFill>
+          </a:ln>
+          <a:effectLst/>
+        </p:spPr>
+        <p:style>
+          <a:lnRef idx="1">
+            <a:schemeClr val="accent1"/>
+          </a:lnRef>
+          <a:fillRef idx="2">
+            <a:schemeClr val="accent1"/>
+          </a:fillRef>
+          <a:effectRef idx="1">
+            <a:schemeClr val="accent1"/>
+          </a:effectRef>
+          <a:fontRef idx="minor">
+            <a:schemeClr val="dk1"/>
+          </a:fontRef>
+        </p:style>
+        <p:txBody>
+          <a:bodyPr rtlCol="0" anchor="ctr"/>
+          <a:lstStyle/>
+          <a:p>
+            <a:pPr algn="ctr"/>
+            <a:r>
+              <a:rPr lang="en-US" sz="1050" b="1" dirty="0" err="1">
+                <a:solidFill>
+                  <a:srgbClr val="0070C0"/>
+                </a:solidFill>
+              </a:rPr>
+              <a:t>HelpCommand</a:t>
+            </a:r>
+            <a:endParaRPr lang="en-US" sz="1050" b="1" dirty="0">
+              <a:solidFill>
+                <a:srgbClr val="0070C0"/>
+              </a:solidFill>
+            </a:endParaRPr>
+          </a:p>
+        </p:txBody>
+      </p:sp>
+      <p:sp>
+        <p:nvSpPr>
+          <p:cNvPr id="32" name="Rectangle 11">
+            <a:extLst>
+              <a:ext uri="{FF2B5EF4-FFF2-40B4-BE49-F238E27FC236}">
+                <a16:creationId xmlns:a16="http://schemas.microsoft.com/office/drawing/2014/main" id="{EE31FE3C-4B83-41C1-8508-27B8EEF9DCE8}"/>
+              </a:ext>
+            </a:extLst>
+          </p:cNvPr>
+          <p:cNvSpPr/>
+          <p:nvPr/>
+        </p:nvSpPr>
+        <p:spPr>
+          <a:xfrm flipH="1">
+            <a:off x="3103035" y="3573100"/>
+            <a:ext cx="1175193" cy="359669"/>
+          </a:xfrm>
+          <a:prstGeom prst="rect">
+            <a:avLst/>
+          </a:prstGeom>
+          <a:ln w="19050">
+            <a:solidFill>
+              <a:srgbClr val="0070C0"/>
+            </a:solidFill>
+          </a:ln>
+          <a:effectLst/>
+        </p:spPr>
+        <p:style>
+          <a:lnRef idx="1">
+            <a:schemeClr val="accent1"/>
+          </a:lnRef>
+          <a:fillRef idx="2">
+            <a:schemeClr val="accent1"/>
+          </a:fillRef>
+          <a:effectRef idx="1">
+            <a:schemeClr val="accent1"/>
+          </a:effectRef>
+          <a:fontRef idx="minor">
+            <a:schemeClr val="dk1"/>
+          </a:fontRef>
+        </p:style>
+        <p:txBody>
+          <a:bodyPr rtlCol="0" anchor="ctr"/>
+          <a:lstStyle/>
+          <a:p>
+            <a:pPr algn="ctr"/>
+            <a:r>
+              <a:rPr lang="en-US" sz="1050" b="1" dirty="0" err="1">
+                <a:solidFill>
+                  <a:srgbClr val="0070C0"/>
+                </a:solidFill>
+              </a:rPr>
+              <a:t>HistoryCommand</a:t>
+            </a:r>
+            <a:endParaRPr lang="en-US" sz="1050" b="1" dirty="0">
+              <a:solidFill>
+                <a:srgbClr val="0070C0"/>
+              </a:solidFill>
+            </a:endParaRPr>
+          </a:p>
+        </p:txBody>
+      </p:sp>
+      <p:sp>
+        <p:nvSpPr>
+          <p:cNvPr id="33" name="Rectangle 11">
+            <a:extLst>
+              <a:ext uri="{FF2B5EF4-FFF2-40B4-BE49-F238E27FC236}">
+                <a16:creationId xmlns:a16="http://schemas.microsoft.com/office/drawing/2014/main" id="{46C8F23E-BAEF-4241-80E9-D11EC08C2635}"/>
+              </a:ext>
+            </a:extLst>
+          </p:cNvPr>
+          <p:cNvSpPr/>
+          <p:nvPr/>
+        </p:nvSpPr>
+        <p:spPr>
+          <a:xfrm flipH="1">
+            <a:off x="3098489" y="4031523"/>
+            <a:ext cx="1175193" cy="359669"/>
+          </a:xfrm>
+          <a:prstGeom prst="rect">
+            <a:avLst/>
+          </a:prstGeom>
+          <a:ln w="19050">
+            <a:solidFill>
+              <a:srgbClr val="0070C0"/>
+            </a:solidFill>
+          </a:ln>
+          <a:effectLst/>
+        </p:spPr>
+        <p:style>
+          <a:lnRef idx="1">
+            <a:schemeClr val="accent1"/>
+          </a:lnRef>
+          <a:fillRef idx="2">
+            <a:schemeClr val="accent1"/>
+          </a:fillRef>
+          <a:effectRef idx="1">
+            <a:schemeClr val="accent1"/>
+          </a:effectRef>
+          <a:fontRef idx="minor">
+            <a:schemeClr val="dk1"/>
+          </a:fontRef>
+        </p:style>
+        <p:txBody>
+          <a:bodyPr rtlCol="0" anchor="ctr"/>
+          <a:lstStyle/>
+          <a:p>
+            <a:pPr algn="ctr"/>
+            <a:r>
+              <a:rPr lang="en-US" sz="1050" b="1" dirty="0" err="1">
+                <a:solidFill>
+                  <a:srgbClr val="0070C0"/>
+                </a:solidFill>
+              </a:rPr>
+              <a:t>ListCommand</a:t>
+            </a:r>
+            <a:endParaRPr lang="en-US" sz="1050" b="1" dirty="0">
+              <a:solidFill>
+                <a:srgbClr val="0070C0"/>
+              </a:solidFill>
+            </a:endParaRPr>
+          </a:p>
+        </p:txBody>
+      </p:sp>
+      <p:sp>
+        <p:nvSpPr>
+          <p:cNvPr id="34" name="Rectangle 11">
+            <a:extLst>
+              <a:ext uri="{FF2B5EF4-FFF2-40B4-BE49-F238E27FC236}">
+                <a16:creationId xmlns:a16="http://schemas.microsoft.com/office/drawing/2014/main" id="{576330F5-7F2F-4CE9-ACB5-CF845000299D}"/>
+              </a:ext>
+            </a:extLst>
+          </p:cNvPr>
+          <p:cNvSpPr/>
+          <p:nvPr/>
+        </p:nvSpPr>
+        <p:spPr>
+          <a:xfrm flipH="1">
+            <a:off x="3092007" y="4501803"/>
+            <a:ext cx="1175193" cy="359669"/>
+          </a:xfrm>
+          <a:prstGeom prst="rect">
+            <a:avLst/>
+          </a:prstGeom>
+          <a:ln w="19050">
+            <a:solidFill>
+              <a:srgbClr val="0070C0"/>
+            </a:solidFill>
+          </a:ln>
+          <a:effectLst/>
+        </p:spPr>
+        <p:style>
+          <a:lnRef idx="1">
+            <a:schemeClr val="accent1"/>
+          </a:lnRef>
+          <a:fillRef idx="2">
+            <a:schemeClr val="accent1"/>
+          </a:fillRef>
+          <a:effectRef idx="1">
+            <a:schemeClr val="accent1"/>
+          </a:effectRef>
+          <a:fontRef idx="minor">
+            <a:schemeClr val="dk1"/>
+          </a:fontRef>
+        </p:style>
+        <p:txBody>
+          <a:bodyPr rtlCol="0" anchor="ctr"/>
+          <a:lstStyle/>
+          <a:p>
+            <a:pPr algn="ctr"/>
+            <a:r>
+              <a:rPr lang="en-US" sz="1050" b="1" dirty="0" err="1">
+                <a:solidFill>
+                  <a:srgbClr val="0070C0"/>
+                </a:solidFill>
+              </a:rPr>
+              <a:t>RedoCommand</a:t>
+            </a:r>
+            <a:endParaRPr lang="en-US" sz="1050" b="1" dirty="0">
+              <a:solidFill>
+                <a:srgbClr val="0070C0"/>
+              </a:solidFill>
+            </a:endParaRPr>
+          </a:p>
+        </p:txBody>
+      </p:sp>
+      <p:sp>
+        <p:nvSpPr>
+          <p:cNvPr id="35" name="Rectangle 11">
+            <a:extLst>
+              <a:ext uri="{FF2B5EF4-FFF2-40B4-BE49-F238E27FC236}">
+                <a16:creationId xmlns:a16="http://schemas.microsoft.com/office/drawing/2014/main" id="{EC7130AE-6559-4C22-BB19-85937FABFF04}"/>
+              </a:ext>
+            </a:extLst>
+          </p:cNvPr>
+          <p:cNvSpPr/>
+          <p:nvPr/>
+        </p:nvSpPr>
+        <p:spPr>
+          <a:xfrm flipH="1">
+            <a:off x="3092007" y="4956801"/>
+            <a:ext cx="1175193" cy="359669"/>
+          </a:xfrm>
+          <a:prstGeom prst="rect">
+            <a:avLst/>
+          </a:prstGeom>
+          <a:ln w="19050">
+            <a:solidFill>
+              <a:srgbClr val="0070C0"/>
+            </a:solidFill>
+          </a:ln>
+          <a:effectLst/>
+        </p:spPr>
+        <p:style>
+          <a:lnRef idx="1">
+            <a:schemeClr val="accent1"/>
+          </a:lnRef>
+          <a:fillRef idx="2">
+            <a:schemeClr val="accent1"/>
+          </a:fillRef>
+          <a:effectRef idx="1">
+            <a:schemeClr val="accent1"/>
+          </a:effectRef>
+          <a:fontRef idx="minor">
+            <a:schemeClr val="dk1"/>
+          </a:fontRef>
+        </p:style>
+        <p:txBody>
+          <a:bodyPr rtlCol="0" anchor="ctr"/>
+          <a:lstStyle/>
+          <a:p>
+            <a:pPr algn="ctr"/>
+            <a:r>
+              <a:rPr lang="en-US" sz="1050" b="1" dirty="0" err="1">
+                <a:solidFill>
+                  <a:srgbClr val="0070C0"/>
+                </a:solidFill>
+              </a:rPr>
+              <a:t>EmailCommand</a:t>
+            </a:r>
+            <a:endParaRPr lang="en-US" sz="1050" b="1" dirty="0">
+              <a:solidFill>
+                <a:srgbClr val="0070C0"/>
+              </a:solidFill>
+            </a:endParaRPr>
+          </a:p>
+        </p:txBody>
+      </p:sp>
+      <p:sp>
+        <p:nvSpPr>
+          <p:cNvPr id="36" name="Rectangle 11">
+            <a:extLst>
+              <a:ext uri="{FF2B5EF4-FFF2-40B4-BE49-F238E27FC236}">
+                <a16:creationId xmlns:a16="http://schemas.microsoft.com/office/drawing/2014/main" id="{79F8DC71-BF2A-40C9-9DD2-CD8FCD885DB5}"/>
+              </a:ext>
+            </a:extLst>
+          </p:cNvPr>
+          <p:cNvSpPr/>
+          <p:nvPr/>
+        </p:nvSpPr>
+        <p:spPr>
+          <a:xfrm flipH="1">
+            <a:off x="3086804" y="5412380"/>
+            <a:ext cx="1175193" cy="359669"/>
+          </a:xfrm>
+          <a:prstGeom prst="rect">
+            <a:avLst/>
+          </a:prstGeom>
+          <a:ln w="19050">
+            <a:solidFill>
+              <a:srgbClr val="0070C0"/>
+            </a:solidFill>
+          </a:ln>
+          <a:effectLst/>
+        </p:spPr>
+        <p:style>
+          <a:lnRef idx="1">
+            <a:schemeClr val="accent1"/>
+          </a:lnRef>
+          <a:fillRef idx="2">
+            <a:schemeClr val="accent1"/>
+          </a:fillRef>
+          <a:effectRef idx="1">
+            <a:schemeClr val="accent1"/>
+          </a:effectRef>
+          <a:fontRef idx="minor">
+            <a:schemeClr val="dk1"/>
+          </a:fontRef>
+        </p:style>
+        <p:txBody>
+          <a:bodyPr rtlCol="0" anchor="ctr"/>
+          <a:lstStyle/>
+          <a:p>
+            <a:pPr algn="ctr"/>
+            <a:r>
+              <a:rPr lang="en-US" sz="1050" b="1" dirty="0" err="1">
+                <a:solidFill>
+                  <a:srgbClr val="0070C0"/>
+                </a:solidFill>
+              </a:rPr>
+              <a:t>BackupCommand</a:t>
+            </a:r>
+            <a:endParaRPr lang="en-US" sz="1050" b="1" dirty="0">
+              <a:solidFill>
+                <a:srgbClr val="0070C0"/>
+              </a:solidFill>
+            </a:endParaRPr>
+          </a:p>
+        </p:txBody>
+      </p:sp>
+      <p:sp>
+        <p:nvSpPr>
+          <p:cNvPr id="37" name="Rectangle 11">
+            <a:extLst>
+              <a:ext uri="{FF2B5EF4-FFF2-40B4-BE49-F238E27FC236}">
+                <a16:creationId xmlns:a16="http://schemas.microsoft.com/office/drawing/2014/main" id="{D8B9221B-25A9-4918-8ADB-A9EEB0F53D0D}"/>
+              </a:ext>
+            </a:extLst>
+          </p:cNvPr>
+          <p:cNvSpPr/>
+          <p:nvPr/>
+        </p:nvSpPr>
+        <p:spPr>
+          <a:xfrm flipH="1">
+            <a:off x="2971800" y="5871799"/>
+            <a:ext cx="1295400" cy="359669"/>
+          </a:xfrm>
+          <a:prstGeom prst="rect">
+            <a:avLst/>
+          </a:prstGeom>
+          <a:ln w="19050">
+            <a:solidFill>
+              <a:srgbClr val="0070C0"/>
+            </a:solidFill>
+          </a:ln>
+          <a:effectLst/>
+        </p:spPr>
+        <p:style>
+          <a:lnRef idx="1">
+            <a:schemeClr val="accent1"/>
+          </a:lnRef>
+          <a:fillRef idx="2">
+            <a:schemeClr val="accent1"/>
+          </a:fillRef>
+          <a:effectRef idx="1">
+            <a:schemeClr val="accent1"/>
+          </a:effectRef>
+          <a:fontRef idx="minor">
+            <a:schemeClr val="dk1"/>
+          </a:fontRef>
+        </p:style>
+        <p:txBody>
+          <a:bodyPr rtlCol="0" anchor="ctr"/>
+          <a:lstStyle/>
+          <a:p>
+            <a:pPr algn="ctr"/>
+            <a:r>
+              <a:rPr lang="en-US" sz="1050" b="1" dirty="0" err="1">
+                <a:solidFill>
+                  <a:srgbClr val="0070C0"/>
+                </a:solidFill>
+              </a:rPr>
+              <a:t>WelcomeCommand</a:t>
+            </a:r>
+            <a:endParaRPr lang="en-US" sz="1050" b="1" dirty="0">
+              <a:solidFill>
+                <a:srgbClr val="0070C0"/>
+              </a:solidFill>
+            </a:endParaRPr>
+          </a:p>
+        </p:txBody>
+      </p:sp>
+      <p:cxnSp>
+        <p:nvCxnSpPr>
+          <p:cNvPr id="6" name="Straight Connector 5">
+            <a:extLst>
+              <a:ext uri="{FF2B5EF4-FFF2-40B4-BE49-F238E27FC236}">
+                <a16:creationId xmlns:a16="http://schemas.microsoft.com/office/drawing/2014/main" id="{F4669961-07DD-400A-8A1B-3678238A2B52}"/>
+              </a:ext>
+            </a:extLst>
+          </p:cNvPr>
+          <p:cNvCxnSpPr>
+            <a:stCxn id="144" idx="1"/>
+          </p:cNvCxnSpPr>
+          <p:nvPr/>
+        </p:nvCxnSpPr>
+        <p:spPr>
+          <a:xfrm>
+            <a:off x="4286360" y="977502"/>
+            <a:ext cx="438040" cy="0"/>
+          </a:xfrm>
+          <a:prstGeom prst="line">
+            <a:avLst/>
+          </a:prstGeom>
+          <a:ln w="19050"/>
+        </p:spPr>
+        <p:style>
+          <a:lnRef idx="1">
+            <a:schemeClr val="accent1"/>
+          </a:lnRef>
+          <a:fillRef idx="0">
+            <a:schemeClr val="accent1"/>
+          </a:fillRef>
+          <a:effectRef idx="0">
+            <a:schemeClr val="accent1"/>
+          </a:effectRef>
+          <a:fontRef idx="minor">
+            <a:schemeClr val="tx1"/>
+          </a:fontRef>
+        </p:style>
+      </p:cxnSp>
+      <p:cxnSp>
+        <p:nvCxnSpPr>
+          <p:cNvPr id="41" name="Straight Connector 40">
+            <a:extLst>
+              <a:ext uri="{FF2B5EF4-FFF2-40B4-BE49-F238E27FC236}">
+                <a16:creationId xmlns:a16="http://schemas.microsoft.com/office/drawing/2014/main" id="{678A3824-12EC-4D71-B1E8-67CA36905BA7}"/>
+              </a:ext>
+            </a:extLst>
+          </p:cNvPr>
+          <p:cNvCxnSpPr/>
+          <p:nvPr/>
+        </p:nvCxnSpPr>
+        <p:spPr>
+          <a:xfrm>
+            <a:off x="4286360" y="1447800"/>
+            <a:ext cx="438040" cy="0"/>
+          </a:xfrm>
+          <a:prstGeom prst="line">
+            <a:avLst/>
+          </a:prstGeom>
+          <a:ln w="19050"/>
+        </p:spPr>
+        <p:style>
+          <a:lnRef idx="1">
+            <a:schemeClr val="accent1"/>
+          </a:lnRef>
+          <a:fillRef idx="0">
+            <a:schemeClr val="accent1"/>
+          </a:fillRef>
+          <a:effectRef idx="0">
+            <a:schemeClr val="accent1"/>
+          </a:effectRef>
+          <a:fontRef idx="minor">
+            <a:schemeClr val="tx1"/>
+          </a:fontRef>
+        </p:style>
+      </p:cxnSp>
+      <p:cxnSp>
+        <p:nvCxnSpPr>
+          <p:cNvPr id="42" name="Straight Connector 41">
+            <a:extLst>
+              <a:ext uri="{FF2B5EF4-FFF2-40B4-BE49-F238E27FC236}">
+                <a16:creationId xmlns:a16="http://schemas.microsoft.com/office/drawing/2014/main" id="{4E5A68FD-0133-4BE6-B911-A2D57D318A87}"/>
+              </a:ext>
+            </a:extLst>
+          </p:cNvPr>
+          <p:cNvCxnSpPr/>
+          <p:nvPr/>
+        </p:nvCxnSpPr>
+        <p:spPr>
+          <a:xfrm>
+            <a:off x="4286360" y="1905000"/>
+            <a:ext cx="438040" cy="0"/>
+          </a:xfrm>
+          <a:prstGeom prst="line">
+            <a:avLst/>
+          </a:prstGeom>
+          <a:ln w="19050"/>
+        </p:spPr>
+        <p:style>
+          <a:lnRef idx="1">
+            <a:schemeClr val="accent1"/>
+          </a:lnRef>
+          <a:fillRef idx="0">
+            <a:schemeClr val="accent1"/>
+          </a:fillRef>
+          <a:effectRef idx="0">
+            <a:schemeClr val="accent1"/>
+          </a:effectRef>
+          <a:fontRef idx="minor">
+            <a:schemeClr val="tx1"/>
+          </a:fontRef>
+        </p:style>
+      </p:cxnSp>
+      <p:cxnSp>
+        <p:nvCxnSpPr>
+          <p:cNvPr id="43" name="Straight Connector 42">
+            <a:extLst>
+              <a:ext uri="{FF2B5EF4-FFF2-40B4-BE49-F238E27FC236}">
+                <a16:creationId xmlns:a16="http://schemas.microsoft.com/office/drawing/2014/main" id="{3A6EAEEA-2907-497E-9F71-50E6F8B5802E}"/>
+              </a:ext>
+            </a:extLst>
+          </p:cNvPr>
+          <p:cNvCxnSpPr/>
+          <p:nvPr/>
+        </p:nvCxnSpPr>
+        <p:spPr>
+          <a:xfrm>
+            <a:off x="4286360" y="2819400"/>
+            <a:ext cx="438040" cy="0"/>
+          </a:xfrm>
+          <a:prstGeom prst="line">
+            <a:avLst/>
+          </a:prstGeom>
+          <a:ln w="19050"/>
+        </p:spPr>
+        <p:style>
+          <a:lnRef idx="1">
+            <a:schemeClr val="accent1"/>
+          </a:lnRef>
+          <a:fillRef idx="0">
+            <a:schemeClr val="accent1"/>
+          </a:fillRef>
+          <a:effectRef idx="0">
+            <a:schemeClr val="accent1"/>
+          </a:effectRef>
+          <a:fontRef idx="minor">
+            <a:schemeClr val="tx1"/>
+          </a:fontRef>
+        </p:style>
+      </p:cxnSp>
+      <p:cxnSp>
+        <p:nvCxnSpPr>
+          <p:cNvPr id="44" name="Straight Connector 43">
+            <a:extLst>
+              <a:ext uri="{FF2B5EF4-FFF2-40B4-BE49-F238E27FC236}">
+                <a16:creationId xmlns:a16="http://schemas.microsoft.com/office/drawing/2014/main" id="{3F0977D7-60C5-483B-8633-F5E5A0C0A514}"/>
+              </a:ext>
+            </a:extLst>
+          </p:cNvPr>
+          <p:cNvCxnSpPr/>
+          <p:nvPr/>
+        </p:nvCxnSpPr>
+        <p:spPr>
+          <a:xfrm>
+            <a:off x="4286360" y="3289698"/>
+            <a:ext cx="438040" cy="0"/>
+          </a:xfrm>
+          <a:prstGeom prst="line">
+            <a:avLst/>
+          </a:prstGeom>
+          <a:ln w="19050"/>
+        </p:spPr>
+        <p:style>
+          <a:lnRef idx="1">
+            <a:schemeClr val="accent1"/>
+          </a:lnRef>
+          <a:fillRef idx="0">
+            <a:schemeClr val="accent1"/>
+          </a:fillRef>
+          <a:effectRef idx="0">
+            <a:schemeClr val="accent1"/>
+          </a:effectRef>
+          <a:fontRef idx="minor">
+            <a:schemeClr val="tx1"/>
+          </a:fontRef>
+        </p:style>
+      </p:cxnSp>
+      <p:cxnSp>
+        <p:nvCxnSpPr>
+          <p:cNvPr id="45" name="Straight Connector 44">
+            <a:extLst>
+              <a:ext uri="{FF2B5EF4-FFF2-40B4-BE49-F238E27FC236}">
+                <a16:creationId xmlns:a16="http://schemas.microsoft.com/office/drawing/2014/main" id="{FD2E2DF9-7D60-4446-88CC-C57039527953}"/>
+              </a:ext>
+            </a:extLst>
+          </p:cNvPr>
+          <p:cNvCxnSpPr/>
+          <p:nvPr/>
+        </p:nvCxnSpPr>
+        <p:spPr>
+          <a:xfrm>
+            <a:off x="4286360" y="3746898"/>
+            <a:ext cx="438040" cy="0"/>
+          </a:xfrm>
+          <a:prstGeom prst="line">
+            <a:avLst/>
+          </a:prstGeom>
+          <a:ln w="19050"/>
+        </p:spPr>
+        <p:style>
+          <a:lnRef idx="1">
+            <a:schemeClr val="accent1"/>
+          </a:lnRef>
+          <a:fillRef idx="0">
+            <a:schemeClr val="accent1"/>
+          </a:fillRef>
+          <a:effectRef idx="0">
+            <a:schemeClr val="accent1"/>
+          </a:effectRef>
+          <a:fontRef idx="minor">
+            <a:schemeClr val="tx1"/>
+          </a:fontRef>
+        </p:style>
+      </p:cxnSp>
+      <p:cxnSp>
+        <p:nvCxnSpPr>
+          <p:cNvPr id="46" name="Straight Connector 45">
+            <a:extLst>
+              <a:ext uri="{FF2B5EF4-FFF2-40B4-BE49-F238E27FC236}">
+                <a16:creationId xmlns:a16="http://schemas.microsoft.com/office/drawing/2014/main" id="{27C6DE89-D1E2-49E1-A81F-45738D08D6E8}"/>
+              </a:ext>
+            </a:extLst>
+          </p:cNvPr>
+          <p:cNvCxnSpPr/>
+          <p:nvPr/>
+        </p:nvCxnSpPr>
+        <p:spPr>
+          <a:xfrm>
+            <a:off x="4287473" y="4211357"/>
+            <a:ext cx="438040" cy="0"/>
+          </a:xfrm>
+          <a:prstGeom prst="line">
+            <a:avLst/>
+          </a:prstGeom>
+          <a:ln w="19050"/>
+        </p:spPr>
+        <p:style>
+          <a:lnRef idx="1">
+            <a:schemeClr val="accent1"/>
+          </a:lnRef>
+          <a:fillRef idx="0">
+            <a:schemeClr val="accent1"/>
+          </a:fillRef>
+          <a:effectRef idx="0">
+            <a:schemeClr val="accent1"/>
+          </a:effectRef>
+          <a:fontRef idx="minor">
+            <a:schemeClr val="tx1"/>
+          </a:fontRef>
+        </p:style>
+      </p:cxnSp>
+      <p:cxnSp>
+        <p:nvCxnSpPr>
+          <p:cNvPr id="47" name="Straight Connector 46">
+            <a:extLst>
+              <a:ext uri="{FF2B5EF4-FFF2-40B4-BE49-F238E27FC236}">
+                <a16:creationId xmlns:a16="http://schemas.microsoft.com/office/drawing/2014/main" id="{81264867-C7FB-4918-BF3F-B62E9664D105}"/>
+              </a:ext>
+            </a:extLst>
+          </p:cNvPr>
+          <p:cNvCxnSpPr>
+            <a:cxnSpLocks/>
+            <a:stCxn id="34" idx="1"/>
+          </p:cNvCxnSpPr>
+          <p:nvPr/>
+        </p:nvCxnSpPr>
+        <p:spPr>
+          <a:xfrm>
+            <a:off x="4267200" y="4681638"/>
+            <a:ext cx="458313" cy="17"/>
+          </a:xfrm>
+          <a:prstGeom prst="line">
+            <a:avLst/>
+          </a:prstGeom>
+          <a:ln w="19050"/>
+        </p:spPr>
+        <p:style>
+          <a:lnRef idx="1">
+            <a:schemeClr val="accent1"/>
+          </a:lnRef>
+          <a:fillRef idx="0">
+            <a:schemeClr val="accent1"/>
+          </a:fillRef>
+          <a:effectRef idx="0">
+            <a:schemeClr val="accent1"/>
+          </a:effectRef>
+          <a:fontRef idx="minor">
+            <a:schemeClr val="tx1"/>
+          </a:fontRef>
+        </p:style>
+      </p:cxnSp>
+      <p:cxnSp>
+        <p:nvCxnSpPr>
+          <p:cNvPr id="48" name="Straight Connector 47">
+            <a:extLst>
+              <a:ext uri="{FF2B5EF4-FFF2-40B4-BE49-F238E27FC236}">
+                <a16:creationId xmlns:a16="http://schemas.microsoft.com/office/drawing/2014/main" id="{A573FEDA-38D3-4AB9-94DF-25047DB6CFA7}"/>
+              </a:ext>
+            </a:extLst>
+          </p:cNvPr>
+          <p:cNvCxnSpPr>
+            <a:cxnSpLocks/>
+            <a:stCxn id="35" idx="1"/>
+          </p:cNvCxnSpPr>
+          <p:nvPr/>
+        </p:nvCxnSpPr>
+        <p:spPr>
+          <a:xfrm>
+            <a:off x="4267200" y="5136636"/>
+            <a:ext cx="458313" cy="2219"/>
+          </a:xfrm>
+          <a:prstGeom prst="line">
+            <a:avLst/>
+          </a:prstGeom>
+          <a:ln w="19050"/>
+        </p:spPr>
+        <p:style>
+          <a:lnRef idx="1">
+            <a:schemeClr val="accent1"/>
+          </a:lnRef>
+          <a:fillRef idx="0">
+            <a:schemeClr val="accent1"/>
+          </a:fillRef>
+          <a:effectRef idx="0">
+            <a:schemeClr val="accent1"/>
+          </a:effectRef>
+          <a:fontRef idx="minor">
+            <a:schemeClr val="tx1"/>
+          </a:fontRef>
+        </p:style>
+      </p:cxnSp>
+      <p:cxnSp>
+        <p:nvCxnSpPr>
+          <p:cNvPr id="51" name="Straight Connector 50">
+            <a:extLst>
+              <a:ext uri="{FF2B5EF4-FFF2-40B4-BE49-F238E27FC236}">
+                <a16:creationId xmlns:a16="http://schemas.microsoft.com/office/drawing/2014/main" id="{2BF8A5F8-5973-4CCB-BE41-AB21B25BD22E}"/>
+              </a:ext>
+            </a:extLst>
+          </p:cNvPr>
+          <p:cNvCxnSpPr>
+            <a:cxnSpLocks/>
+          </p:cNvCxnSpPr>
+          <p:nvPr/>
+        </p:nvCxnSpPr>
+        <p:spPr>
+          <a:xfrm>
+            <a:off x="4261997" y="5610341"/>
+            <a:ext cx="458313" cy="2219"/>
+          </a:xfrm>
+          <a:prstGeom prst="line">
+            <a:avLst/>
+          </a:prstGeom>
+          <a:ln w="19050"/>
+        </p:spPr>
+        <p:style>
+          <a:lnRef idx="1">
+            <a:schemeClr val="accent1"/>
+          </a:lnRef>
+          <a:fillRef idx="0">
+            <a:schemeClr val="accent1"/>
+          </a:fillRef>
+          <a:effectRef idx="0">
+            <a:schemeClr val="accent1"/>
+          </a:effectRef>
+          <a:fontRef idx="minor">
+            <a:schemeClr val="tx1"/>
+          </a:fontRef>
+        </p:style>
+      </p:cxnSp>
+      <p:cxnSp>
+        <p:nvCxnSpPr>
+          <p:cNvPr id="52" name="Straight Connector 51">
+            <a:extLst>
+              <a:ext uri="{FF2B5EF4-FFF2-40B4-BE49-F238E27FC236}">
+                <a16:creationId xmlns:a16="http://schemas.microsoft.com/office/drawing/2014/main" id="{64169C92-7206-4CF1-B5A8-EA7560E3A5E8}"/>
+              </a:ext>
+            </a:extLst>
+          </p:cNvPr>
+          <p:cNvCxnSpPr>
+            <a:cxnSpLocks/>
+          </p:cNvCxnSpPr>
+          <p:nvPr/>
+        </p:nvCxnSpPr>
+        <p:spPr>
+          <a:xfrm>
+            <a:off x="4269800" y="6064130"/>
+            <a:ext cx="458313" cy="2219"/>
+          </a:xfrm>
+          <a:prstGeom prst="line">
+            <a:avLst/>
+          </a:prstGeom>
+          <a:ln w="19050"/>
+        </p:spPr>
+        <p:style>
+          <a:lnRef idx="1">
+            <a:schemeClr val="accent1"/>
+          </a:lnRef>
+          <a:fillRef idx="0">
+            <a:schemeClr val="accent1"/>
+          </a:fillRef>
+          <a:effectRef idx="0">
+            <a:schemeClr val="accent1"/>
+          </a:effectRef>
+          <a:fontRef idx="minor">
+            <a:schemeClr val="tx1"/>
+          </a:fontRef>
+        </p:style>
+      </p:cxnSp>
+      <p:cxnSp>
+        <p:nvCxnSpPr>
+          <p:cNvPr id="10" name="Straight Connector 9">
+            <a:extLst>
+              <a:ext uri="{FF2B5EF4-FFF2-40B4-BE49-F238E27FC236}">
+                <a16:creationId xmlns:a16="http://schemas.microsoft.com/office/drawing/2014/main" id="{749FE20C-0A07-44B6-A1C6-157F62A617D0}"/>
+              </a:ext>
+            </a:extLst>
+          </p:cNvPr>
+          <p:cNvCxnSpPr>
+            <a:cxnSpLocks/>
+          </p:cNvCxnSpPr>
+          <p:nvPr/>
+        </p:nvCxnSpPr>
+        <p:spPr>
+          <a:xfrm>
+            <a:off x="4728111" y="2435143"/>
+            <a:ext cx="0" cy="3628987"/>
+          </a:xfrm>
+          <a:prstGeom prst="line">
+            <a:avLst/>
+          </a:prstGeom>
+          <a:ln w="19050"/>
+        </p:spPr>
+        <p:style>
+          <a:lnRef idx="1">
+            <a:schemeClr val="accent1"/>
+          </a:lnRef>
+          <a:fillRef idx="0">
+            <a:schemeClr val="accent1"/>
+          </a:fillRef>
+          <a:effectRef idx="0">
+            <a:schemeClr val="accent1"/>
+          </a:effectRef>
+          <a:fontRef idx="minor">
+            <a:schemeClr val="tx1"/>
+          </a:fontRef>
+        </p:style>
+      </p:cxnSp>
+      <p:sp>
+        <p:nvSpPr>
+          <p:cNvPr id="57" name="Rectangle 11">
+            <a:extLst>
+              <a:ext uri="{FF2B5EF4-FFF2-40B4-BE49-F238E27FC236}">
+                <a16:creationId xmlns:a16="http://schemas.microsoft.com/office/drawing/2014/main" id="{EB535507-7A58-4100-A689-23F2E35DE4C5}"/>
+              </a:ext>
+            </a:extLst>
+          </p:cNvPr>
+          <p:cNvSpPr/>
+          <p:nvPr/>
+        </p:nvSpPr>
+        <p:spPr>
+          <a:xfrm flipH="1">
+            <a:off x="7008727" y="3236894"/>
+            <a:ext cx="1175194" cy="359669"/>
+          </a:xfrm>
+          <a:prstGeom prst="rect">
+            <a:avLst/>
+          </a:prstGeom>
+          <a:ln w="19050">
+            <a:solidFill>
+              <a:srgbClr val="0070C0"/>
+            </a:solidFill>
+          </a:ln>
+          <a:effectLst/>
+        </p:spPr>
+        <p:style>
+          <a:lnRef idx="1">
+            <a:schemeClr val="accent1"/>
+          </a:lnRef>
+          <a:fillRef idx="2">
+            <a:schemeClr val="accent1"/>
+          </a:fillRef>
+          <a:effectRef idx="1">
+            <a:schemeClr val="accent1"/>
+          </a:effectRef>
+          <a:fontRef idx="minor">
+            <a:schemeClr val="dk1"/>
+          </a:fontRef>
+        </p:style>
+        <p:txBody>
+          <a:bodyPr rtlCol="0" anchor="ctr"/>
+          <a:lstStyle/>
+          <a:p>
+            <a:pPr algn="ctr"/>
+            <a:r>
+              <a:rPr lang="en-US" sz="1050" b="1" dirty="0" err="1">
+                <a:solidFill>
+                  <a:srgbClr val="0070C0"/>
+                </a:solidFill>
+              </a:rPr>
+              <a:t>ClearCommand</a:t>
+            </a:r>
+            <a:endParaRPr lang="en-US" sz="1050" b="1" dirty="0">
+              <a:solidFill>
+                <a:srgbClr val="0070C0"/>
+              </a:solidFill>
+            </a:endParaRPr>
+          </a:p>
+        </p:txBody>
+      </p:sp>
+      <p:sp>
+        <p:nvSpPr>
+          <p:cNvPr id="58" name="Rectangle 11">
+            <a:extLst>
+              <a:ext uri="{FF2B5EF4-FFF2-40B4-BE49-F238E27FC236}">
+                <a16:creationId xmlns:a16="http://schemas.microsoft.com/office/drawing/2014/main" id="{14949B4C-47A1-444C-94F4-CC16576379C1}"/>
+              </a:ext>
+            </a:extLst>
+          </p:cNvPr>
+          <p:cNvSpPr/>
+          <p:nvPr/>
+        </p:nvSpPr>
+        <p:spPr>
+          <a:xfrm flipH="1">
+            <a:off x="7008726" y="3711561"/>
+            <a:ext cx="1297069" cy="359669"/>
+          </a:xfrm>
+          <a:prstGeom prst="rect">
+            <a:avLst/>
+          </a:prstGeom>
+          <a:ln w="19050">
+            <a:solidFill>
+              <a:srgbClr val="0070C0"/>
+            </a:solidFill>
+          </a:ln>
+          <a:effectLst/>
+        </p:spPr>
+        <p:style>
+          <a:lnRef idx="1">
+            <a:schemeClr val="accent1"/>
+          </a:lnRef>
+          <a:fillRef idx="2">
+            <a:schemeClr val="accent1"/>
+          </a:fillRef>
+          <a:effectRef idx="1">
+            <a:schemeClr val="accent1"/>
+          </a:effectRef>
+          <a:fontRef idx="minor">
+            <a:schemeClr val="dk1"/>
+          </a:fontRef>
+        </p:style>
+        <p:txBody>
+          <a:bodyPr rtlCol="0" anchor="ctr"/>
+          <a:lstStyle/>
+          <a:p>
+            <a:pPr algn="ctr"/>
+            <a:r>
+              <a:rPr lang="en-SG" sz="1050" b="1" dirty="0" err="1">
+                <a:solidFill>
+                  <a:srgbClr val="0070C0"/>
+                </a:solidFill>
+              </a:rPr>
+              <a:t>ScheduleCommand</a:t>
+            </a:r>
+            <a:endParaRPr lang="en-US" sz="1050" b="1" dirty="0">
+              <a:solidFill>
+                <a:srgbClr val="0070C0"/>
+              </a:solidFill>
+            </a:endParaRPr>
+          </a:p>
+        </p:txBody>
+      </p:sp>
+      <p:cxnSp>
+        <p:nvCxnSpPr>
+          <p:cNvPr id="59" name="Straight Connector 58">
+            <a:extLst>
+              <a:ext uri="{FF2B5EF4-FFF2-40B4-BE49-F238E27FC236}">
+                <a16:creationId xmlns:a16="http://schemas.microsoft.com/office/drawing/2014/main" id="{19DDFD7A-7BD3-48AE-9F02-4DD8FA23B082}"/>
+              </a:ext>
+            </a:extLst>
+          </p:cNvPr>
+          <p:cNvCxnSpPr>
+            <a:cxnSpLocks/>
+          </p:cNvCxnSpPr>
+          <p:nvPr/>
+        </p:nvCxnSpPr>
+        <p:spPr>
+          <a:xfrm>
+            <a:off x="6481233" y="2895600"/>
+            <a:ext cx="0" cy="990600"/>
+          </a:xfrm>
+          <a:prstGeom prst="line">
+            <a:avLst/>
+          </a:prstGeom>
+          <a:ln w="19050"/>
+        </p:spPr>
+        <p:style>
+          <a:lnRef idx="1">
+            <a:schemeClr val="accent1"/>
+          </a:lnRef>
+          <a:fillRef idx="0">
+            <a:schemeClr val="accent1"/>
+          </a:fillRef>
+          <a:effectRef idx="0">
+            <a:schemeClr val="accent1"/>
+          </a:effectRef>
+          <a:fontRef idx="minor">
+            <a:schemeClr val="tx1"/>
+          </a:fontRef>
+        </p:style>
+      </p:cxnSp>
+      <p:cxnSp>
+        <p:nvCxnSpPr>
+          <p:cNvPr id="61" name="Straight Connector 60">
+            <a:extLst>
+              <a:ext uri="{FF2B5EF4-FFF2-40B4-BE49-F238E27FC236}">
+                <a16:creationId xmlns:a16="http://schemas.microsoft.com/office/drawing/2014/main" id="{F5D5D79B-360D-4BE3-825D-551B72BD85AC}"/>
+              </a:ext>
+            </a:extLst>
+          </p:cNvPr>
+          <p:cNvCxnSpPr>
+            <a:cxnSpLocks/>
+          </p:cNvCxnSpPr>
+          <p:nvPr/>
+        </p:nvCxnSpPr>
+        <p:spPr>
+          <a:xfrm>
+            <a:off x="6481233" y="3429000"/>
+            <a:ext cx="527493" cy="0"/>
+          </a:xfrm>
+          <a:prstGeom prst="line">
+            <a:avLst/>
+          </a:prstGeom>
+          <a:ln w="19050"/>
+        </p:spPr>
+        <p:style>
+          <a:lnRef idx="1">
+            <a:schemeClr val="accent1"/>
+          </a:lnRef>
+          <a:fillRef idx="0">
+            <a:schemeClr val="accent1"/>
+          </a:fillRef>
+          <a:effectRef idx="0">
+            <a:schemeClr val="accent1"/>
+          </a:effectRef>
+          <a:fontRef idx="minor">
+            <a:schemeClr val="tx1"/>
+          </a:fontRef>
+        </p:style>
+      </p:cxnSp>
+      <p:cxnSp>
+        <p:nvCxnSpPr>
+          <p:cNvPr id="63" name="Straight Connector 62">
+            <a:extLst>
+              <a:ext uri="{FF2B5EF4-FFF2-40B4-BE49-F238E27FC236}">
+                <a16:creationId xmlns:a16="http://schemas.microsoft.com/office/drawing/2014/main" id="{BDC79A10-03CB-4868-9690-1E2BF8249096}"/>
+              </a:ext>
+            </a:extLst>
+          </p:cNvPr>
+          <p:cNvCxnSpPr>
+            <a:cxnSpLocks/>
+          </p:cNvCxnSpPr>
+          <p:nvPr/>
+        </p:nvCxnSpPr>
+        <p:spPr>
+          <a:xfrm>
+            <a:off x="6481233" y="3886200"/>
+            <a:ext cx="527493" cy="0"/>
+          </a:xfrm>
+          <a:prstGeom prst="line">
+            <a:avLst/>
+          </a:prstGeom>
+          <a:ln w="19050"/>
         </p:spPr>
         <p:style>
           <a:lnRef idx="1">
@@ -5709,68 +6895,6 @@
           </a:fontRef>
         </p:style>
       </p:cxnSp>
-      <p:sp>
-        <p:nvSpPr>
-          <p:cNvPr id="19" name="Rectangle 11">
-            <a:extLst>
-              <a:ext uri="{FF2B5EF4-FFF2-40B4-BE49-F238E27FC236}">
-                <a16:creationId xmlns:a16="http://schemas.microsoft.com/office/drawing/2014/main" id="{436A66D5-12BE-4B9B-B94B-EB6D0F7CF691}"/>
-              </a:ext>
-            </a:extLst>
-          </p:cNvPr>
-          <p:cNvSpPr/>
-          <p:nvPr/>
-        </p:nvSpPr>
-        <p:spPr>
-          <a:xfrm flipH="1">
-            <a:off x="3328030" y="3396703"/>
-            <a:ext cx="1175194" cy="359669"/>
-          </a:xfrm>
-          <a:prstGeom prst="rect">
-            <a:avLst/>
-          </a:prstGeom>
-          <a:ln w="19050">
-            <a:solidFill>
-              <a:srgbClr val="0070C0"/>
-            </a:solidFill>
-          </a:ln>
-          <a:effectLst/>
-        </p:spPr>
-        <p:style>
-          <a:lnRef idx="1">
-            <a:schemeClr val="accent1"/>
-          </a:lnRef>
-          <a:fillRef idx="2">
-            <a:schemeClr val="accent1"/>
-          </a:fillRef>
-          <a:effectRef idx="1">
-            <a:schemeClr val="accent1"/>
-          </a:effectRef>
-          <a:fontRef idx="minor">
-            <a:schemeClr val="dk1"/>
-          </a:fontRef>
-        </p:style>
-        <p:txBody>
-          <a:bodyPr rtlCol="0" anchor="ctr"/>
-          <a:lstStyle/>
-          <a:p>
-            <a:pPr algn="ctr"/>
-            <a:r>
-              <a:rPr lang="mr-IN" sz="1050" b="1" dirty="0">
-                <a:solidFill>
-                  <a:srgbClr val="0070C0"/>
-                </a:solidFill>
-              </a:rPr>
-              <a:t>…</a:t>
-            </a:r>
-            <a:endParaRPr lang="en-US" sz="1050" b="1" dirty="0">
-              <a:solidFill>
-                <a:srgbClr val="0070C0"/>
-              </a:solidFill>
-            </a:endParaRPr>
-          </a:p>
-        </p:txBody>
-      </p:sp>
       <p:cxnSp>
         <p:nvCxnSpPr>
           <p:cNvPr id="20" name="Elbow Connector 167">
@@ -5781,8 +6905,8 @@
             </a:extLst>
           </p:cNvPr>
           <p:cNvCxnSpPr>
+            <a:cxnSpLocks/>
             <a:stCxn id="4" idx="1"/>
-            <a:endCxn id="19" idx="1"/>
           </p:cNvCxnSpPr>
           <p:nvPr/>
         </p:nvCxnSpPr>
